--- a/ppt/Practical Statistics for Data science_Chapter3.pptx
+++ b/ppt/Practical Statistics for Data science_Chapter3.pptx
@@ -1058,6 +1058,13 @@
         </dgm:presLayoutVars>
       </dgm:prSet>
       <dgm:spPr/>
+      <dgm:t>
+        <a:bodyPr/>
+        <a:lstStyle/>
+        <a:p>
+          <a:endParaRPr lang="en-US"/>
+        </a:p>
+      </dgm:t>
     </dgm:pt>
     <dgm:pt modelId="{29FB1EAF-31B5-4CCF-827A-E173A4B889C0}" type="pres">
       <dgm:prSet presAssocID="{7B682395-7466-4909-8F99-840AB13FE3DD}" presName="parTxOnlySpace" presStyleCnt="0"/>
@@ -1072,6 +1079,13 @@
         </dgm:presLayoutVars>
       </dgm:prSet>
       <dgm:spPr/>
+      <dgm:t>
+        <a:bodyPr/>
+        <a:lstStyle/>
+        <a:p>
+          <a:endParaRPr lang="en-US"/>
+        </a:p>
+      </dgm:t>
     </dgm:pt>
     <dgm:pt modelId="{E2115448-C61F-4A30-B2F8-391076F7118B}" type="pres">
       <dgm:prSet presAssocID="{DE5A0AC7-47BF-4A01-A735-764E004C58EF}" presName="parTxOnlySpace" presStyleCnt="0"/>
@@ -1086,6 +1100,13 @@
         </dgm:presLayoutVars>
       </dgm:prSet>
       <dgm:spPr/>
+      <dgm:t>
+        <a:bodyPr/>
+        <a:lstStyle/>
+        <a:p>
+          <a:endParaRPr lang="en-US"/>
+        </a:p>
+      </dgm:t>
     </dgm:pt>
     <dgm:pt modelId="{BC0B2DC1-6821-4E0D-AB53-233726317002}" type="pres">
       <dgm:prSet presAssocID="{C0DC4562-AAFA-42D0-AE04-DEACF0188AE6}" presName="parTxOnlySpace" presStyleCnt="0"/>
@@ -1100,18 +1121,25 @@
         </dgm:presLayoutVars>
       </dgm:prSet>
       <dgm:spPr/>
+      <dgm:t>
+        <a:bodyPr/>
+        <a:lstStyle/>
+        <a:p>
+          <a:endParaRPr lang="en-US"/>
+        </a:p>
+      </dgm:t>
     </dgm:pt>
   </dgm:ptLst>
   <dgm:cxnLst>
+    <dgm:cxn modelId="{8192528B-D73C-449C-88D3-C8D57BB7DE47}" srcId="{96DD7E66-90D0-4628-A2B9-F3ACFA9EDE2F}" destId="{B850015C-CD69-467C-974C-5A624FD12258}" srcOrd="0" destOrd="0" parTransId="{A8A3E7C2-6140-469B-85CB-171E526CC81F}" sibTransId="{7B682395-7466-4909-8F99-840AB13FE3DD}"/>
     <dgm:cxn modelId="{AB38EF25-E6BE-4609-8E34-8F429821598F}" srcId="{96DD7E66-90D0-4628-A2B9-F3ACFA9EDE2F}" destId="{FBBD5157-372D-48FB-BC50-E1803DF64FC8}" srcOrd="2" destOrd="0" parTransId="{A9D8567D-3A8E-49DA-AB22-30C234C12519}" sibTransId="{C0DC4562-AAFA-42D0-AE04-DEACF0188AE6}"/>
+    <dgm:cxn modelId="{DE876AAE-C16B-4193-B7E7-B194E6DC30FE}" type="presOf" srcId="{B850015C-CD69-467C-974C-5A624FD12258}" destId="{21CA0705-37BF-4420-B0BC-9FD140AB8E53}" srcOrd="0" destOrd="0" presId="urn:microsoft.com/office/officeart/2005/8/layout/chevron1"/>
     <dgm:cxn modelId="{93D08C26-19D2-4F68-A5CE-8EB270472C16}" srcId="{96DD7E66-90D0-4628-A2B9-F3ACFA9EDE2F}" destId="{F0C53062-30D0-4352-878F-976455D161A3}" srcOrd="1" destOrd="0" parTransId="{6804605F-35C2-40DE-B916-02A877E16EC1}" sibTransId="{DE5A0AC7-47BF-4A01-A735-764E004C58EF}"/>
+    <dgm:cxn modelId="{3B7063EF-E941-4BA0-B611-F05A4FE5E12D}" type="presOf" srcId="{F0C53062-30D0-4352-878F-976455D161A3}" destId="{F502020B-2D78-4129-8914-F1293F7BCB75}" srcOrd="0" destOrd="0" presId="urn:microsoft.com/office/officeart/2005/8/layout/chevron1"/>
     <dgm:cxn modelId="{9BF14B42-3BD4-42A3-9900-1F63E1C7BC71}" srcId="{96DD7E66-90D0-4628-A2B9-F3ACFA9EDE2F}" destId="{B163B9A2-5175-4760-BC4E-CBF9928BC3D4}" srcOrd="3" destOrd="0" parTransId="{B7352EC8-1843-4069-996F-95B889D93617}" sibTransId="{3EB8D310-6EB3-4984-91C0-BFC6251B8FD7}"/>
-    <dgm:cxn modelId="{8192528B-D73C-449C-88D3-C8D57BB7DE47}" srcId="{96DD7E66-90D0-4628-A2B9-F3ACFA9EDE2F}" destId="{B850015C-CD69-467C-974C-5A624FD12258}" srcOrd="0" destOrd="0" parTransId="{A8A3E7C2-6140-469B-85CB-171E526CC81F}" sibTransId="{7B682395-7466-4909-8F99-840AB13FE3DD}"/>
-    <dgm:cxn modelId="{948D1FA2-19A7-4790-A6CC-87E96D9F109F}" type="presOf" srcId="{B163B9A2-5175-4760-BC4E-CBF9928BC3D4}" destId="{1E8B0D82-AF9D-4547-BB00-E99FD79CD450}" srcOrd="0" destOrd="0" presId="urn:microsoft.com/office/officeart/2005/8/layout/chevron1"/>
-    <dgm:cxn modelId="{DE876AAE-C16B-4193-B7E7-B194E6DC30FE}" type="presOf" srcId="{B850015C-CD69-467C-974C-5A624FD12258}" destId="{21CA0705-37BF-4420-B0BC-9FD140AB8E53}" srcOrd="0" destOrd="0" presId="urn:microsoft.com/office/officeart/2005/8/layout/chevron1"/>
     <dgm:cxn modelId="{2AF561BD-BBDC-49C2-9654-05837AC752F6}" type="presOf" srcId="{FBBD5157-372D-48FB-BC50-E1803DF64FC8}" destId="{85B059EF-19FD-4600-8E3C-715963F1FC07}" srcOrd="0" destOrd="0" presId="urn:microsoft.com/office/officeart/2005/8/layout/chevron1"/>
     <dgm:cxn modelId="{F822B3DF-A371-4820-90E0-A89F3D4FE859}" type="presOf" srcId="{96DD7E66-90D0-4628-A2B9-F3ACFA9EDE2F}" destId="{14BE4270-3CCC-42DD-ABA8-5F9EBD196624}" srcOrd="0" destOrd="0" presId="urn:microsoft.com/office/officeart/2005/8/layout/chevron1"/>
-    <dgm:cxn modelId="{3B7063EF-E941-4BA0-B611-F05A4FE5E12D}" type="presOf" srcId="{F0C53062-30D0-4352-878F-976455D161A3}" destId="{F502020B-2D78-4129-8914-F1293F7BCB75}" srcOrd="0" destOrd="0" presId="urn:microsoft.com/office/officeart/2005/8/layout/chevron1"/>
+    <dgm:cxn modelId="{948D1FA2-19A7-4790-A6CC-87E96D9F109F}" type="presOf" srcId="{B163B9A2-5175-4760-BC4E-CBF9928BC3D4}" destId="{1E8B0D82-AF9D-4547-BB00-E99FD79CD450}" srcOrd="0" destOrd="0" presId="urn:microsoft.com/office/officeart/2005/8/layout/chevron1"/>
     <dgm:cxn modelId="{822E5A27-3810-4960-8C3B-41FD49EAD067}" type="presParOf" srcId="{14BE4270-3CCC-42DD-ABA8-5F9EBD196624}" destId="{21CA0705-37BF-4420-B0BC-9FD140AB8E53}" srcOrd="0" destOrd="0" presId="urn:microsoft.com/office/officeart/2005/8/layout/chevron1"/>
     <dgm:cxn modelId="{C4B7327C-157B-4814-AA31-AA3FEB7D2239}" type="presParOf" srcId="{14BE4270-3CCC-42DD-ABA8-5F9EBD196624}" destId="{29FB1EAF-31B5-4CCF-827A-E173A4B889C0}" srcOrd="1" destOrd="0" presId="urn:microsoft.com/office/officeart/2005/8/layout/chevron1"/>
     <dgm:cxn modelId="{1F159649-5F27-4408-95C5-4858514807E6}" type="presParOf" srcId="{14BE4270-3CCC-42DD-ABA8-5F9EBD196624}" destId="{F502020B-2D78-4129-8914-F1293F7BCB75}" srcOrd="2" destOrd="0" presId="urn:microsoft.com/office/officeart/2005/8/layout/chevron1"/>
@@ -1187,7 +1215,7 @@
         </a:bodyPr>
         <a:lstStyle/>
         <a:p>
-          <a:pPr marL="0" lvl="0" indent="0" algn="ctr" defTabSz="889000">
+          <a:pPr lvl="0" algn="ctr" defTabSz="889000">
             <a:lnSpc>
               <a:spcPct val="90000"/>
             </a:lnSpc>
@@ -1197,7 +1225,6 @@
             <a:spcAft>
               <a:spcPct val="35000"/>
             </a:spcAft>
-            <a:buNone/>
           </a:pPr>
           <a:r>
             <a:rPr lang="en-US" sz="2000" kern="1200" dirty="0"/>
@@ -1260,7 +1287,7 @@
         </a:bodyPr>
         <a:lstStyle/>
         <a:p>
-          <a:pPr marL="0" lvl="0" indent="0" algn="ctr" defTabSz="889000">
+          <a:pPr lvl="0" algn="ctr" defTabSz="889000">
             <a:lnSpc>
               <a:spcPct val="90000"/>
             </a:lnSpc>
@@ -1270,7 +1297,6 @@
             <a:spcAft>
               <a:spcPct val="35000"/>
             </a:spcAft>
-            <a:buNone/>
           </a:pPr>
           <a:r>
             <a:rPr lang="en-US" sz="2000" kern="1200" dirty="0"/>
@@ -1333,7 +1359,7 @@
         </a:bodyPr>
         <a:lstStyle/>
         <a:p>
-          <a:pPr marL="0" lvl="0" indent="0" algn="ctr" defTabSz="889000">
+          <a:pPr lvl="0" algn="ctr" defTabSz="889000">
             <a:lnSpc>
               <a:spcPct val="90000"/>
             </a:lnSpc>
@@ -1343,7 +1369,6 @@
             <a:spcAft>
               <a:spcPct val="35000"/>
             </a:spcAft>
-            <a:buNone/>
           </a:pPr>
           <a:r>
             <a:rPr lang="en-US" sz="2000" kern="1200" dirty="0"/>
@@ -1406,7 +1431,7 @@
         </a:bodyPr>
         <a:lstStyle/>
         <a:p>
-          <a:pPr marL="0" lvl="0" indent="0" algn="ctr" defTabSz="889000">
+          <a:pPr lvl="0" algn="ctr" defTabSz="889000">
             <a:lnSpc>
               <a:spcPct val="90000"/>
             </a:lnSpc>
@@ -1416,7 +1441,6 @@
             <a:spcAft>
               <a:spcPct val="35000"/>
             </a:spcAft>
-            <a:buNone/>
           </a:pPr>
           <a:r>
             <a:rPr lang="en-US" sz="2000" kern="1200" dirty="0"/>
@@ -2890,7 +2914,7 @@
           <a:p>
             <a:fld id="{64675A1E-7BBD-46EC-90C2-30E3B71B419A}" type="datetimeFigureOut">
               <a:rPr lang="es-MX" smtClean="0"/>
-              <a:t>06/03/2020</a:t>
+              <a:t>08/03/2020</a:t>
             </a:fld>
             <a:endParaRPr lang="es-MX"/>
           </a:p>
@@ -2942,7 +2966,7 @@
           <a:p>
             <a:fld id="{B0BF0F4E-8115-4019-94CC-FB96495A6C06}" type="slidenum">
               <a:rPr lang="es-MX" smtClean="0"/>
-              <a:t>‹#›</a:t>
+              <a:t>‹Nº›</a:t>
             </a:fld>
             <a:endParaRPr lang="es-MX"/>
           </a:p>
@@ -3101,7 +3125,7 @@
           <a:p>
             <a:fld id="{64675A1E-7BBD-46EC-90C2-30E3B71B419A}" type="datetimeFigureOut">
               <a:rPr lang="es-MX" smtClean="0"/>
-              <a:t>06/03/2020</a:t>
+              <a:t>08/03/2020</a:t>
             </a:fld>
             <a:endParaRPr lang="es-MX"/>
           </a:p>
@@ -3143,7 +3167,7 @@
           <a:p>
             <a:fld id="{B0BF0F4E-8115-4019-94CC-FB96495A6C06}" type="slidenum">
               <a:rPr lang="es-MX" smtClean="0"/>
-              <a:t>‹#›</a:t>
+              <a:t>‹Nº›</a:t>
             </a:fld>
             <a:endParaRPr lang="es-MX"/>
           </a:p>
@@ -3316,7 +3340,7 @@
           <a:p>
             <a:fld id="{64675A1E-7BBD-46EC-90C2-30E3B71B419A}" type="datetimeFigureOut">
               <a:rPr lang="es-MX" smtClean="0"/>
-              <a:t>06/03/2020</a:t>
+              <a:t>08/03/2020</a:t>
             </a:fld>
             <a:endParaRPr lang="es-MX"/>
           </a:p>
@@ -3358,7 +3382,7 @@
           <a:p>
             <a:fld id="{B0BF0F4E-8115-4019-94CC-FB96495A6C06}" type="slidenum">
               <a:rPr lang="es-MX" smtClean="0"/>
-              <a:t>‹#›</a:t>
+              <a:t>‹Nº›</a:t>
             </a:fld>
             <a:endParaRPr lang="es-MX"/>
           </a:p>
@@ -3517,7 +3541,7 @@
           <a:p>
             <a:fld id="{64675A1E-7BBD-46EC-90C2-30E3B71B419A}" type="datetimeFigureOut">
               <a:rPr lang="es-MX" smtClean="0"/>
-              <a:t>06/03/2020</a:t>
+              <a:t>08/03/2020</a:t>
             </a:fld>
             <a:endParaRPr lang="es-MX"/>
           </a:p>
@@ -3559,7 +3583,7 @@
           <a:p>
             <a:fld id="{B0BF0F4E-8115-4019-94CC-FB96495A6C06}" type="slidenum">
               <a:rPr lang="es-MX" smtClean="0"/>
-              <a:t>‹#›</a:t>
+              <a:t>‹Nº›</a:t>
             </a:fld>
             <a:endParaRPr lang="es-MX"/>
           </a:p>
@@ -3796,7 +3820,7 @@
           <a:p>
             <a:fld id="{64675A1E-7BBD-46EC-90C2-30E3B71B419A}" type="datetimeFigureOut">
               <a:rPr lang="es-MX" smtClean="0"/>
-              <a:t>06/03/2020</a:t>
+              <a:t>08/03/2020</a:t>
             </a:fld>
             <a:endParaRPr lang="es-MX"/>
           </a:p>
@@ -3838,7 +3862,7 @@
           <a:p>
             <a:fld id="{B0BF0F4E-8115-4019-94CC-FB96495A6C06}" type="slidenum">
               <a:rPr lang="es-MX" smtClean="0"/>
-              <a:t>‹#›</a:t>
+              <a:t>‹Nº›</a:t>
             </a:fld>
             <a:endParaRPr lang="es-MX"/>
           </a:p>
@@ -4064,7 +4088,7 @@
           <a:p>
             <a:fld id="{64675A1E-7BBD-46EC-90C2-30E3B71B419A}" type="datetimeFigureOut">
               <a:rPr lang="es-MX" smtClean="0"/>
-              <a:t>06/03/2020</a:t>
+              <a:t>08/03/2020</a:t>
             </a:fld>
             <a:endParaRPr lang="es-MX"/>
           </a:p>
@@ -4106,7 +4130,7 @@
           <a:p>
             <a:fld id="{B0BF0F4E-8115-4019-94CC-FB96495A6C06}" type="slidenum">
               <a:rPr lang="es-MX" smtClean="0"/>
-              <a:t>‹#›</a:t>
+              <a:t>‹Nº›</a:t>
             </a:fld>
             <a:endParaRPr lang="es-MX"/>
           </a:p>
@@ -4480,7 +4504,7 @@
           <a:p>
             <a:fld id="{64675A1E-7BBD-46EC-90C2-30E3B71B419A}" type="datetimeFigureOut">
               <a:rPr lang="es-MX" smtClean="0"/>
-              <a:t>06/03/2020</a:t>
+              <a:t>08/03/2020</a:t>
             </a:fld>
             <a:endParaRPr lang="es-MX"/>
           </a:p>
@@ -4522,7 +4546,7 @@
           <a:p>
             <a:fld id="{B0BF0F4E-8115-4019-94CC-FB96495A6C06}" type="slidenum">
               <a:rPr lang="es-MX" smtClean="0"/>
-              <a:t>‹#›</a:t>
+              <a:t>‹Nº›</a:t>
             </a:fld>
             <a:endParaRPr lang="es-MX"/>
           </a:p>
@@ -4629,7 +4653,7 @@
           <a:p>
             <a:fld id="{64675A1E-7BBD-46EC-90C2-30E3B71B419A}" type="datetimeFigureOut">
               <a:rPr lang="es-MX" smtClean="0"/>
-              <a:t>06/03/2020</a:t>
+              <a:t>08/03/2020</a:t>
             </a:fld>
             <a:endParaRPr lang="es-MX"/>
           </a:p>
@@ -4671,7 +4695,7 @@
           <a:p>
             <a:fld id="{B0BF0F4E-8115-4019-94CC-FB96495A6C06}" type="slidenum">
               <a:rPr lang="es-MX" smtClean="0"/>
-              <a:t>‹#›</a:t>
+              <a:t>‹Nº›</a:t>
             </a:fld>
             <a:endParaRPr lang="es-MX"/>
           </a:p>
@@ -4755,7 +4779,7 @@
           <a:p>
             <a:fld id="{64675A1E-7BBD-46EC-90C2-30E3B71B419A}" type="datetimeFigureOut">
               <a:rPr lang="es-MX" smtClean="0"/>
-              <a:t>06/03/2020</a:t>
+              <a:t>08/03/2020</a:t>
             </a:fld>
             <a:endParaRPr lang="es-MX"/>
           </a:p>
@@ -4797,7 +4821,7 @@
           <a:p>
             <a:fld id="{B0BF0F4E-8115-4019-94CC-FB96495A6C06}" type="slidenum">
               <a:rPr lang="es-MX" smtClean="0"/>
-              <a:t>‹#›</a:t>
+              <a:t>‹Nº›</a:t>
             </a:fld>
             <a:endParaRPr lang="es-MX"/>
           </a:p>
@@ -5006,7 +5030,7 @@
           <a:p>
             <a:fld id="{64675A1E-7BBD-46EC-90C2-30E3B71B419A}" type="datetimeFigureOut">
               <a:rPr lang="es-MX" smtClean="0"/>
-              <a:t>06/03/2020</a:t>
+              <a:t>08/03/2020</a:t>
             </a:fld>
             <a:endParaRPr lang="es-MX"/>
           </a:p>
@@ -5048,7 +5072,7 @@
           <a:p>
             <a:fld id="{B0BF0F4E-8115-4019-94CC-FB96495A6C06}" type="slidenum">
               <a:rPr lang="es-MX" smtClean="0"/>
-              <a:t>‹#›</a:t>
+              <a:t>‹Nº›</a:t>
             </a:fld>
             <a:endParaRPr lang="es-MX"/>
           </a:p>
@@ -5451,7 +5475,7 @@
           <a:p>
             <a:fld id="{64675A1E-7BBD-46EC-90C2-30E3B71B419A}" type="datetimeFigureOut">
               <a:rPr lang="es-MX" smtClean="0"/>
-              <a:t>06/03/2020</a:t>
+              <a:t>08/03/2020</a:t>
             </a:fld>
             <a:endParaRPr lang="es-MX"/>
           </a:p>
@@ -5498,7 +5522,7 @@
           <a:p>
             <a:fld id="{B0BF0F4E-8115-4019-94CC-FB96495A6C06}" type="slidenum">
               <a:rPr lang="es-MX" smtClean="0"/>
-              <a:t>‹#›</a:t>
+              <a:t>‹Nº›</a:t>
             </a:fld>
             <a:endParaRPr lang="es-MX"/>
           </a:p>
@@ -5778,7 +5802,7 @@
           <a:p>
             <a:fld id="{64675A1E-7BBD-46EC-90C2-30E3B71B419A}" type="datetimeFigureOut">
               <a:rPr lang="es-MX" smtClean="0"/>
-              <a:t>06/03/2020</a:t>
+              <a:t>08/03/2020</a:t>
             </a:fld>
             <a:endParaRPr lang="es-MX"/>
           </a:p>
@@ -5854,7 +5878,7 @@
           <a:p>
             <a:fld id="{B0BF0F4E-8115-4019-94CC-FB96495A6C06}" type="slidenum">
               <a:rPr lang="es-MX" smtClean="0"/>
-              <a:t>‹#›</a:t>
+              <a:t>‹Nº›</a:t>
             </a:fld>
             <a:endParaRPr lang="es-MX"/>
           </a:p>
@@ -6269,7 +6293,7 @@
           <p:cNvPr id="2" name="Title 1">
             <a:extLst>
               <a:ext uri="{FF2B5EF4-FFF2-40B4-BE49-F238E27FC236}">
-                <a16:creationId xmlns:a16="http://schemas.microsoft.com/office/drawing/2014/main" id="{32D5BD50-28EC-43B5-839F-B9E51F44CFB4}"/>
+                <a16:creationId xmlns:a16="http://schemas.microsoft.com/office/drawing/2014/main" xmlns="" id="{32D5BD50-28EC-43B5-839F-B9E51F44CFB4}"/>
               </a:ext>
             </a:extLst>
           </p:cNvPr>
@@ -6283,7 +6307,7 @@
         <p:spPr/>
         <p:txBody>
           <a:bodyPr>
-            <a:normAutofit fontScale="90000"/>
+            <a:normAutofit/>
           </a:bodyPr>
           <a:lstStyle/>
           <a:p>
@@ -6307,7 +6331,7 @@
           <p:cNvPr id="3" name="Subtitle 2">
             <a:extLst>
               <a:ext uri="{FF2B5EF4-FFF2-40B4-BE49-F238E27FC236}">
-                <a16:creationId xmlns:a16="http://schemas.microsoft.com/office/drawing/2014/main" id="{74F90FDB-688B-4608-BE91-19666CC84DA5}"/>
+                <a16:creationId xmlns:a16="http://schemas.microsoft.com/office/drawing/2014/main" xmlns="" id="{74F90FDB-688B-4608-BE91-19666CC84DA5}"/>
               </a:ext>
             </a:extLst>
           </p:cNvPr>
@@ -6366,7 +6390,7 @@
           <p:cNvPr id="2" name="Title 1">
             <a:extLst>
               <a:ext uri="{FF2B5EF4-FFF2-40B4-BE49-F238E27FC236}">
-                <a16:creationId xmlns:a16="http://schemas.microsoft.com/office/drawing/2014/main" id="{4A494A44-DE60-4B09-ABB9-555A09589F7A}"/>
+                <a16:creationId xmlns:a16="http://schemas.microsoft.com/office/drawing/2014/main" xmlns="" id="{4A494A44-DE60-4B09-ABB9-555A09589F7A}"/>
               </a:ext>
             </a:extLst>
           </p:cNvPr>
@@ -6391,7 +6415,7 @@
           <p:cNvPr id="3" name="Content Placeholder 2">
             <a:extLst>
               <a:ext uri="{FF2B5EF4-FFF2-40B4-BE49-F238E27FC236}">
-                <a16:creationId xmlns:a16="http://schemas.microsoft.com/office/drawing/2014/main" id="{07C6715C-9AAD-4835-9F7F-B96BD9D2E587}"/>
+                <a16:creationId xmlns:a16="http://schemas.microsoft.com/office/drawing/2014/main" xmlns="" id="{07C6715C-9AAD-4835-9F7F-B96BD9D2E587}"/>
               </a:ext>
             </a:extLst>
           </p:cNvPr>
@@ -6446,7 +6470,7 @@
           <p:cNvPr id="4" name="Title 3">
             <a:extLst>
               <a:ext uri="{FF2B5EF4-FFF2-40B4-BE49-F238E27FC236}">
-                <a16:creationId xmlns:a16="http://schemas.microsoft.com/office/drawing/2014/main" id="{AF3DC2BF-6F4A-4835-8BD4-F82ED901BBF8}"/>
+                <a16:creationId xmlns:a16="http://schemas.microsoft.com/office/drawing/2014/main" xmlns="" id="{AF3DC2BF-6F4A-4835-8BD4-F82ED901BBF8}"/>
               </a:ext>
             </a:extLst>
           </p:cNvPr>
@@ -6475,7 +6499,7 @@
           <p:cNvPr id="5" name="Text Placeholder 4">
             <a:extLst>
               <a:ext uri="{FF2B5EF4-FFF2-40B4-BE49-F238E27FC236}">
-                <a16:creationId xmlns:a16="http://schemas.microsoft.com/office/drawing/2014/main" id="{D7C89B07-BA56-4773-86E8-62EAC8D55105}"/>
+                <a16:creationId xmlns:a16="http://schemas.microsoft.com/office/drawing/2014/main" xmlns="" id="{D7C89B07-BA56-4773-86E8-62EAC8D55105}"/>
               </a:ext>
             </a:extLst>
           </p:cNvPr>
@@ -6537,7 +6561,7 @@
           <p:cNvPr id="4" name="Title 3">
             <a:extLst>
               <a:ext uri="{FF2B5EF4-FFF2-40B4-BE49-F238E27FC236}">
-                <a16:creationId xmlns:a16="http://schemas.microsoft.com/office/drawing/2014/main" id="{CFF994D8-FB70-4763-BB9C-6FD758911643}"/>
+                <a16:creationId xmlns:a16="http://schemas.microsoft.com/office/drawing/2014/main" xmlns="" id="{CFF994D8-FB70-4763-BB9C-6FD758911643}"/>
               </a:ext>
             </a:extLst>
           </p:cNvPr>
@@ -6566,7 +6590,7 @@
           <p:cNvPr id="5" name="Content Placeholder 4">
             <a:extLst>
               <a:ext uri="{FF2B5EF4-FFF2-40B4-BE49-F238E27FC236}">
-                <a16:creationId xmlns:a16="http://schemas.microsoft.com/office/drawing/2014/main" id="{C66C483F-D584-41DD-8A46-AA99346824D9}"/>
+                <a16:creationId xmlns:a16="http://schemas.microsoft.com/office/drawing/2014/main" xmlns="" id="{C66C483F-D584-41DD-8A46-AA99346824D9}"/>
               </a:ext>
             </a:extLst>
           </p:cNvPr>
@@ -6616,7 +6640,7 @@
           <p:cNvPr id="6" name="Diagram 5">
             <a:extLst>
               <a:ext uri="{FF2B5EF4-FFF2-40B4-BE49-F238E27FC236}">
-                <a16:creationId xmlns:a16="http://schemas.microsoft.com/office/drawing/2014/main" id="{C35826DC-EE5C-42A1-B251-BD772857E9CE}"/>
+                <a16:creationId xmlns:a16="http://schemas.microsoft.com/office/drawing/2014/main" xmlns="" id="{C35826DC-EE5C-42A1-B251-BD772857E9CE}"/>
               </a:ext>
             </a:extLst>
           </p:cNvPr>
@@ -6674,7 +6698,7 @@
           <p:cNvPr id="2" name="Title 1">
             <a:extLst>
               <a:ext uri="{FF2B5EF4-FFF2-40B4-BE49-F238E27FC236}">
-                <a16:creationId xmlns:a16="http://schemas.microsoft.com/office/drawing/2014/main" id="{5E2D21CF-C427-4A1E-B419-4A0C7ACE469C}"/>
+                <a16:creationId xmlns:a16="http://schemas.microsoft.com/office/drawing/2014/main" xmlns="" id="{5E2D21CF-C427-4A1E-B419-4A0C7ACE469C}"/>
               </a:ext>
             </a:extLst>
           </p:cNvPr>
@@ -6692,9 +6716,20 @@
           <a:p>
             <a:r>
               <a:rPr lang="en-US" dirty="0"/>
-              <a:t>A/B Testing</a:t>
-            </a:r>
-            <a:endParaRPr lang="es-MX" dirty="0"/>
+              <a:t>A/B </a:t>
+            </a:r>
+            <a:r>
+              <a:rPr lang="en-US" dirty="0" smtClean="0"/>
+              <a:t>Testing </a:t>
+            </a:r>
+            <a:br>
+              <a:rPr lang="en-US" dirty="0" smtClean="0"/>
+            </a:br>
+            <a:r>
+              <a:rPr lang="en-US" sz="2400" dirty="0" smtClean="0"/>
+              <a:t>Key terms</a:t>
+            </a:r>
+            <a:endParaRPr lang="es-MX" sz="2400" dirty="0"/>
           </a:p>
         </p:txBody>
       </p:sp>
@@ -6703,7 +6738,7 @@
           <p:cNvPr id="3" name="Content Placeholder 2">
             <a:extLst>
               <a:ext uri="{FF2B5EF4-FFF2-40B4-BE49-F238E27FC236}">
-                <a16:creationId xmlns:a16="http://schemas.microsoft.com/office/drawing/2014/main" id="{E1EA1F81-F8CC-4F09-B395-E2D4579A607F}"/>
+                <a16:creationId xmlns:a16="http://schemas.microsoft.com/office/drawing/2014/main" xmlns="" id="{E1EA1F81-F8CC-4F09-B395-E2D4579A607F}"/>
               </a:ext>
             </a:extLst>
           </p:cNvPr>
@@ -6824,7 +6859,7 @@
           <p:cNvPr id="2" name="Title 1">
             <a:extLst>
               <a:ext uri="{FF2B5EF4-FFF2-40B4-BE49-F238E27FC236}">
-                <a16:creationId xmlns:a16="http://schemas.microsoft.com/office/drawing/2014/main" id="{108756E7-06FF-412F-AEFD-F5148E35106F}"/>
+                <a16:creationId xmlns:a16="http://schemas.microsoft.com/office/drawing/2014/main" xmlns="" id="{108756E7-06FF-412F-AEFD-F5148E35106F}"/>
               </a:ext>
             </a:extLst>
           </p:cNvPr>
@@ -6842,9 +6877,20 @@
           <a:p>
             <a:r>
               <a:rPr lang="en-US" dirty="0"/>
-              <a:t>A/B testing examples</a:t>
-            </a:r>
-            <a:endParaRPr lang="es-MX" dirty="0"/>
+              <a:t>A/B </a:t>
+            </a:r>
+            <a:r>
+              <a:rPr lang="en-US" dirty="0" smtClean="0"/>
+              <a:t>testing</a:t>
+            </a:r>
+            <a:br>
+              <a:rPr lang="en-US" dirty="0" smtClean="0"/>
+            </a:br>
+            <a:r>
+              <a:rPr lang="en-US" sz="2400" dirty="0" smtClean="0"/>
+              <a:t>examples</a:t>
+            </a:r>
+            <a:endParaRPr lang="es-MX" sz="2400" dirty="0"/>
           </a:p>
         </p:txBody>
       </p:sp>
@@ -6853,7 +6899,7 @@
           <p:cNvPr id="3" name="Content Placeholder 2">
             <a:extLst>
               <a:ext uri="{FF2B5EF4-FFF2-40B4-BE49-F238E27FC236}">
-                <a16:creationId xmlns:a16="http://schemas.microsoft.com/office/drawing/2014/main" id="{0D3E1BDB-8601-4CEB-8F22-A92206DC8224}"/>
+                <a16:creationId xmlns:a16="http://schemas.microsoft.com/office/drawing/2014/main" xmlns="" id="{0D3E1BDB-8601-4CEB-8F22-A92206DC8224}"/>
               </a:ext>
             </a:extLst>
           </p:cNvPr>
@@ -6936,7 +6982,7 @@
           <p:cNvPr id="2" name="Title 1">
             <a:extLst>
               <a:ext uri="{FF2B5EF4-FFF2-40B4-BE49-F238E27FC236}">
-                <a16:creationId xmlns:a16="http://schemas.microsoft.com/office/drawing/2014/main" id="{D45D6B12-E728-43A9-805D-6A4641E2F4F0}"/>
+                <a16:creationId xmlns:a16="http://schemas.microsoft.com/office/drawing/2014/main" xmlns="" id="{D45D6B12-E728-43A9-805D-6A4641E2F4F0}"/>
               </a:ext>
             </a:extLst>
           </p:cNvPr>
@@ -6954,7 +7000,11 @@
           <a:p>
             <a:r>
               <a:rPr lang="en-US" dirty="0"/>
-              <a:t>A/B Test</a:t>
+              <a:t>A/B </a:t>
+            </a:r>
+            <a:r>
+              <a:rPr lang="en-US" dirty="0" smtClean="0"/>
+              <a:t>Testing</a:t>
             </a:r>
             <a:endParaRPr lang="es-MX" dirty="0"/>
           </a:p>
@@ -6965,7 +7015,7 @@
           <p:cNvPr id="3" name="Content Placeholder 2">
             <a:extLst>
               <a:ext uri="{FF2B5EF4-FFF2-40B4-BE49-F238E27FC236}">
-                <a16:creationId xmlns:a16="http://schemas.microsoft.com/office/drawing/2014/main" id="{DB5BC476-34BC-421E-80A9-B1324F89C578}"/>
+                <a16:creationId xmlns:a16="http://schemas.microsoft.com/office/drawing/2014/main" xmlns="" id="{DB5BC476-34BC-421E-80A9-B1324F89C578}"/>
               </a:ext>
             </a:extLst>
           </p:cNvPr>
@@ -7061,7 +7111,7 @@
           <p:cNvPr id="2" name="Title 1">
             <a:extLst>
               <a:ext uri="{FF2B5EF4-FFF2-40B4-BE49-F238E27FC236}">
-                <a16:creationId xmlns:a16="http://schemas.microsoft.com/office/drawing/2014/main" id="{A83928E8-A2A4-4A62-822F-3A9262A704F2}"/>
+                <a16:creationId xmlns:a16="http://schemas.microsoft.com/office/drawing/2014/main" xmlns="" id="{A83928E8-A2A4-4A62-822F-3A9262A704F2}"/>
               </a:ext>
             </a:extLst>
           </p:cNvPr>
@@ -7090,7 +7140,7 @@
           <p:cNvPr id="3" name="Content Placeholder 2">
             <a:extLst>
               <a:ext uri="{FF2B5EF4-FFF2-40B4-BE49-F238E27FC236}">
-                <a16:creationId xmlns:a16="http://schemas.microsoft.com/office/drawing/2014/main" id="{0D3C7310-FF92-4000-839F-E0F06739401D}"/>
+                <a16:creationId xmlns:a16="http://schemas.microsoft.com/office/drawing/2014/main" xmlns="" id="{0D3C7310-FF92-4000-839F-E0F06739401D}"/>
               </a:ext>
             </a:extLst>
           </p:cNvPr>
@@ -7166,7 +7216,7 @@
           <p:cNvPr id="2" name="Title 1">
             <a:extLst>
               <a:ext uri="{FF2B5EF4-FFF2-40B4-BE49-F238E27FC236}">
-                <a16:creationId xmlns:a16="http://schemas.microsoft.com/office/drawing/2014/main" id="{24A04E48-292D-432F-AD8E-62895E19AF4B}"/>
+                <a16:creationId xmlns:a16="http://schemas.microsoft.com/office/drawing/2014/main" xmlns="" id="{24A04E48-292D-432F-AD8E-62895E19AF4B}"/>
               </a:ext>
             </a:extLst>
           </p:cNvPr>
@@ -7182,7 +7232,11 @@
           <a:bodyPr/>
           <a:lstStyle/>
           <a:p>
-            <a:endParaRPr lang="es-MX"/>
+            <a:r>
+              <a:rPr lang="en-US" dirty="0"/>
+              <a:t>A/B testing</a:t>
+            </a:r>
+            <a:endParaRPr lang="es-MX" dirty="0"/>
           </a:p>
         </p:txBody>
       </p:sp>
@@ -7191,7 +7245,7 @@
           <p:cNvPr id="3" name="Content Placeholder 2">
             <a:extLst>
               <a:ext uri="{FF2B5EF4-FFF2-40B4-BE49-F238E27FC236}">
-                <a16:creationId xmlns:a16="http://schemas.microsoft.com/office/drawing/2014/main" id="{41BFF8EA-7B29-4F21-A958-AE02B7BEC4A5}"/>
+                <a16:creationId xmlns:a16="http://schemas.microsoft.com/office/drawing/2014/main" xmlns="" id="{41BFF8EA-7B29-4F21-A958-AE02B7BEC4A5}"/>
               </a:ext>
             </a:extLst>
           </p:cNvPr>
@@ -7205,7 +7259,7 @@
         <p:spPr/>
         <p:txBody>
           <a:bodyPr>
-            <a:normAutofit fontScale="92500" lnSpcReduction="20000"/>
+            <a:normAutofit fontScale="85000" lnSpcReduction="10000"/>
           </a:bodyPr>
           <a:lstStyle/>
           <a:p>
@@ -7298,7 +7352,7 @@
           <p:cNvPr id="2" name="Title 1">
             <a:extLst>
               <a:ext uri="{FF2B5EF4-FFF2-40B4-BE49-F238E27FC236}">
-                <a16:creationId xmlns:a16="http://schemas.microsoft.com/office/drawing/2014/main" id="{F3538E31-242C-4FB6-93A1-D2FFE0607903}"/>
+                <a16:creationId xmlns:a16="http://schemas.microsoft.com/office/drawing/2014/main" xmlns="" id="{F3538E31-242C-4FB6-93A1-D2FFE0607903}"/>
               </a:ext>
             </a:extLst>
           </p:cNvPr>
@@ -7316,9 +7370,20 @@
           <a:p>
             <a:r>
               <a:rPr lang="en-US" dirty="0"/>
-              <a:t>Hypothesis test</a:t>
-            </a:r>
-            <a:endParaRPr lang="es-MX" dirty="0"/>
+              <a:t>Hypothesis </a:t>
+            </a:r>
+            <a:r>
+              <a:rPr lang="en-US" dirty="0" smtClean="0"/>
+              <a:t>test</a:t>
+            </a:r>
+            <a:br>
+              <a:rPr lang="en-US" dirty="0" smtClean="0"/>
+            </a:br>
+            <a:r>
+              <a:rPr lang="en-US" sz="2400" dirty="0" smtClean="0"/>
+              <a:t>key terms</a:t>
+            </a:r>
+            <a:endParaRPr lang="es-MX" sz="2400" dirty="0"/>
           </a:p>
         </p:txBody>
       </p:sp>
@@ -7327,7 +7392,7 @@
           <p:cNvPr id="3" name="Content Placeholder 2">
             <a:extLst>
               <a:ext uri="{FF2B5EF4-FFF2-40B4-BE49-F238E27FC236}">
-                <a16:creationId xmlns:a16="http://schemas.microsoft.com/office/drawing/2014/main" id="{1691AE57-8F9D-4056-922C-9AF849E9E28D}"/>
+                <a16:creationId xmlns:a16="http://schemas.microsoft.com/office/drawing/2014/main" xmlns="" id="{1691AE57-8F9D-4056-922C-9AF849E9E28D}"/>
               </a:ext>
             </a:extLst>
           </p:cNvPr>

--- a/ppt/Practical Statistics for Data science_Chapter3.pptx
+++ b/ppt/Practical Statistics for Data science_Chapter3.pptx
@@ -15,6 +15,13 @@
     <p:sldId id="294" r:id="rId9"/>
     <p:sldId id="296" r:id="rId10"/>
     <p:sldId id="295" r:id="rId11"/>
+    <p:sldId id="297" r:id="rId12"/>
+    <p:sldId id="298" r:id="rId13"/>
+    <p:sldId id="299" r:id="rId14"/>
+    <p:sldId id="300" r:id="rId15"/>
+    <p:sldId id="301" r:id="rId16"/>
+    <p:sldId id="302" r:id="rId17"/>
+    <p:sldId id="303" r:id="rId18"/>
   </p:sldIdLst>
   <p:sldSz cx="12192000" cy="6858000"/>
   <p:notesSz cx="6858000" cy="9144000"/>
@@ -1058,13 +1065,6 @@
         </dgm:presLayoutVars>
       </dgm:prSet>
       <dgm:spPr/>
-      <dgm:t>
-        <a:bodyPr/>
-        <a:lstStyle/>
-        <a:p>
-          <a:endParaRPr lang="en-US"/>
-        </a:p>
-      </dgm:t>
     </dgm:pt>
     <dgm:pt modelId="{29FB1EAF-31B5-4CCF-827A-E173A4B889C0}" type="pres">
       <dgm:prSet presAssocID="{7B682395-7466-4909-8F99-840AB13FE3DD}" presName="parTxOnlySpace" presStyleCnt="0"/>
@@ -1079,13 +1079,6 @@
         </dgm:presLayoutVars>
       </dgm:prSet>
       <dgm:spPr/>
-      <dgm:t>
-        <a:bodyPr/>
-        <a:lstStyle/>
-        <a:p>
-          <a:endParaRPr lang="en-US"/>
-        </a:p>
-      </dgm:t>
     </dgm:pt>
     <dgm:pt modelId="{E2115448-C61F-4A30-B2F8-391076F7118B}" type="pres">
       <dgm:prSet presAssocID="{DE5A0AC7-47BF-4A01-A735-764E004C58EF}" presName="parTxOnlySpace" presStyleCnt="0"/>
@@ -1100,13 +1093,6 @@
         </dgm:presLayoutVars>
       </dgm:prSet>
       <dgm:spPr/>
-      <dgm:t>
-        <a:bodyPr/>
-        <a:lstStyle/>
-        <a:p>
-          <a:endParaRPr lang="en-US"/>
-        </a:p>
-      </dgm:t>
     </dgm:pt>
     <dgm:pt modelId="{BC0B2DC1-6821-4E0D-AB53-233726317002}" type="pres">
       <dgm:prSet presAssocID="{C0DC4562-AAFA-42D0-AE04-DEACF0188AE6}" presName="parTxOnlySpace" presStyleCnt="0"/>
@@ -1121,25 +1107,18 @@
         </dgm:presLayoutVars>
       </dgm:prSet>
       <dgm:spPr/>
-      <dgm:t>
-        <a:bodyPr/>
-        <a:lstStyle/>
-        <a:p>
-          <a:endParaRPr lang="en-US"/>
-        </a:p>
-      </dgm:t>
     </dgm:pt>
   </dgm:ptLst>
   <dgm:cxnLst>
+    <dgm:cxn modelId="{AB38EF25-E6BE-4609-8E34-8F429821598F}" srcId="{96DD7E66-90D0-4628-A2B9-F3ACFA9EDE2F}" destId="{FBBD5157-372D-48FB-BC50-E1803DF64FC8}" srcOrd="2" destOrd="0" parTransId="{A9D8567D-3A8E-49DA-AB22-30C234C12519}" sibTransId="{C0DC4562-AAFA-42D0-AE04-DEACF0188AE6}"/>
+    <dgm:cxn modelId="{93D08C26-19D2-4F68-A5CE-8EB270472C16}" srcId="{96DD7E66-90D0-4628-A2B9-F3ACFA9EDE2F}" destId="{F0C53062-30D0-4352-878F-976455D161A3}" srcOrd="1" destOrd="0" parTransId="{6804605F-35C2-40DE-B916-02A877E16EC1}" sibTransId="{DE5A0AC7-47BF-4A01-A735-764E004C58EF}"/>
+    <dgm:cxn modelId="{9BF14B42-3BD4-42A3-9900-1F63E1C7BC71}" srcId="{96DD7E66-90D0-4628-A2B9-F3ACFA9EDE2F}" destId="{B163B9A2-5175-4760-BC4E-CBF9928BC3D4}" srcOrd="3" destOrd="0" parTransId="{B7352EC8-1843-4069-996F-95B889D93617}" sibTransId="{3EB8D310-6EB3-4984-91C0-BFC6251B8FD7}"/>
     <dgm:cxn modelId="{8192528B-D73C-449C-88D3-C8D57BB7DE47}" srcId="{96DD7E66-90D0-4628-A2B9-F3ACFA9EDE2F}" destId="{B850015C-CD69-467C-974C-5A624FD12258}" srcOrd="0" destOrd="0" parTransId="{A8A3E7C2-6140-469B-85CB-171E526CC81F}" sibTransId="{7B682395-7466-4909-8F99-840AB13FE3DD}"/>
-    <dgm:cxn modelId="{AB38EF25-E6BE-4609-8E34-8F429821598F}" srcId="{96DD7E66-90D0-4628-A2B9-F3ACFA9EDE2F}" destId="{FBBD5157-372D-48FB-BC50-E1803DF64FC8}" srcOrd="2" destOrd="0" parTransId="{A9D8567D-3A8E-49DA-AB22-30C234C12519}" sibTransId="{C0DC4562-AAFA-42D0-AE04-DEACF0188AE6}"/>
+    <dgm:cxn modelId="{948D1FA2-19A7-4790-A6CC-87E96D9F109F}" type="presOf" srcId="{B163B9A2-5175-4760-BC4E-CBF9928BC3D4}" destId="{1E8B0D82-AF9D-4547-BB00-E99FD79CD450}" srcOrd="0" destOrd="0" presId="urn:microsoft.com/office/officeart/2005/8/layout/chevron1"/>
     <dgm:cxn modelId="{DE876AAE-C16B-4193-B7E7-B194E6DC30FE}" type="presOf" srcId="{B850015C-CD69-467C-974C-5A624FD12258}" destId="{21CA0705-37BF-4420-B0BC-9FD140AB8E53}" srcOrd="0" destOrd="0" presId="urn:microsoft.com/office/officeart/2005/8/layout/chevron1"/>
-    <dgm:cxn modelId="{93D08C26-19D2-4F68-A5CE-8EB270472C16}" srcId="{96DD7E66-90D0-4628-A2B9-F3ACFA9EDE2F}" destId="{F0C53062-30D0-4352-878F-976455D161A3}" srcOrd="1" destOrd="0" parTransId="{6804605F-35C2-40DE-B916-02A877E16EC1}" sibTransId="{DE5A0AC7-47BF-4A01-A735-764E004C58EF}"/>
-    <dgm:cxn modelId="{3B7063EF-E941-4BA0-B611-F05A4FE5E12D}" type="presOf" srcId="{F0C53062-30D0-4352-878F-976455D161A3}" destId="{F502020B-2D78-4129-8914-F1293F7BCB75}" srcOrd="0" destOrd="0" presId="urn:microsoft.com/office/officeart/2005/8/layout/chevron1"/>
-    <dgm:cxn modelId="{9BF14B42-3BD4-42A3-9900-1F63E1C7BC71}" srcId="{96DD7E66-90D0-4628-A2B9-F3ACFA9EDE2F}" destId="{B163B9A2-5175-4760-BC4E-CBF9928BC3D4}" srcOrd="3" destOrd="0" parTransId="{B7352EC8-1843-4069-996F-95B889D93617}" sibTransId="{3EB8D310-6EB3-4984-91C0-BFC6251B8FD7}"/>
     <dgm:cxn modelId="{2AF561BD-BBDC-49C2-9654-05837AC752F6}" type="presOf" srcId="{FBBD5157-372D-48FB-BC50-E1803DF64FC8}" destId="{85B059EF-19FD-4600-8E3C-715963F1FC07}" srcOrd="0" destOrd="0" presId="urn:microsoft.com/office/officeart/2005/8/layout/chevron1"/>
     <dgm:cxn modelId="{F822B3DF-A371-4820-90E0-A89F3D4FE859}" type="presOf" srcId="{96DD7E66-90D0-4628-A2B9-F3ACFA9EDE2F}" destId="{14BE4270-3CCC-42DD-ABA8-5F9EBD196624}" srcOrd="0" destOrd="0" presId="urn:microsoft.com/office/officeart/2005/8/layout/chevron1"/>
-    <dgm:cxn modelId="{948D1FA2-19A7-4790-A6CC-87E96D9F109F}" type="presOf" srcId="{B163B9A2-5175-4760-BC4E-CBF9928BC3D4}" destId="{1E8B0D82-AF9D-4547-BB00-E99FD79CD450}" srcOrd="0" destOrd="0" presId="urn:microsoft.com/office/officeart/2005/8/layout/chevron1"/>
+    <dgm:cxn modelId="{3B7063EF-E941-4BA0-B611-F05A4FE5E12D}" type="presOf" srcId="{F0C53062-30D0-4352-878F-976455D161A3}" destId="{F502020B-2D78-4129-8914-F1293F7BCB75}" srcOrd="0" destOrd="0" presId="urn:microsoft.com/office/officeart/2005/8/layout/chevron1"/>
     <dgm:cxn modelId="{822E5A27-3810-4960-8C3B-41FD49EAD067}" type="presParOf" srcId="{14BE4270-3CCC-42DD-ABA8-5F9EBD196624}" destId="{21CA0705-37BF-4420-B0BC-9FD140AB8E53}" srcOrd="0" destOrd="0" presId="urn:microsoft.com/office/officeart/2005/8/layout/chevron1"/>
     <dgm:cxn modelId="{C4B7327C-157B-4814-AA31-AA3FEB7D2239}" type="presParOf" srcId="{14BE4270-3CCC-42DD-ABA8-5F9EBD196624}" destId="{29FB1EAF-31B5-4CCF-827A-E173A4B889C0}" srcOrd="1" destOrd="0" presId="urn:microsoft.com/office/officeart/2005/8/layout/chevron1"/>
     <dgm:cxn modelId="{1F159649-5F27-4408-95C5-4858514807E6}" type="presParOf" srcId="{14BE4270-3CCC-42DD-ABA8-5F9EBD196624}" destId="{F502020B-2D78-4129-8914-F1293F7BCB75}" srcOrd="2" destOrd="0" presId="urn:microsoft.com/office/officeart/2005/8/layout/chevron1"/>
@@ -1215,7 +1194,7 @@
         </a:bodyPr>
         <a:lstStyle/>
         <a:p>
-          <a:pPr lvl="0" algn="ctr" defTabSz="889000">
+          <a:pPr marL="0" lvl="0" indent="0" algn="ctr" defTabSz="889000">
             <a:lnSpc>
               <a:spcPct val="90000"/>
             </a:lnSpc>
@@ -1225,6 +1204,7 @@
             <a:spcAft>
               <a:spcPct val="35000"/>
             </a:spcAft>
+            <a:buNone/>
           </a:pPr>
           <a:r>
             <a:rPr lang="en-US" sz="2000" kern="1200" dirty="0"/>
@@ -1287,7 +1267,7 @@
         </a:bodyPr>
         <a:lstStyle/>
         <a:p>
-          <a:pPr lvl="0" algn="ctr" defTabSz="889000">
+          <a:pPr marL="0" lvl="0" indent="0" algn="ctr" defTabSz="889000">
             <a:lnSpc>
               <a:spcPct val="90000"/>
             </a:lnSpc>
@@ -1297,6 +1277,7 @@
             <a:spcAft>
               <a:spcPct val="35000"/>
             </a:spcAft>
+            <a:buNone/>
           </a:pPr>
           <a:r>
             <a:rPr lang="en-US" sz="2000" kern="1200" dirty="0"/>
@@ -1359,7 +1340,7 @@
         </a:bodyPr>
         <a:lstStyle/>
         <a:p>
-          <a:pPr lvl="0" algn="ctr" defTabSz="889000">
+          <a:pPr marL="0" lvl="0" indent="0" algn="ctr" defTabSz="889000">
             <a:lnSpc>
               <a:spcPct val="90000"/>
             </a:lnSpc>
@@ -1369,6 +1350,7 @@
             <a:spcAft>
               <a:spcPct val="35000"/>
             </a:spcAft>
+            <a:buNone/>
           </a:pPr>
           <a:r>
             <a:rPr lang="en-US" sz="2000" kern="1200" dirty="0"/>
@@ -1431,7 +1413,7 @@
         </a:bodyPr>
         <a:lstStyle/>
         <a:p>
-          <a:pPr lvl="0" algn="ctr" defTabSz="889000">
+          <a:pPr marL="0" lvl="0" indent="0" algn="ctr" defTabSz="889000">
             <a:lnSpc>
               <a:spcPct val="90000"/>
             </a:lnSpc>
@@ -1441,6 +1423,7 @@
             <a:spcAft>
               <a:spcPct val="35000"/>
             </a:spcAft>
+            <a:buNone/>
           </a:pPr>
           <a:r>
             <a:rPr lang="en-US" sz="2000" kern="1200" dirty="0"/>
@@ -2914,7 +2897,7 @@
           <a:p>
             <a:fld id="{64675A1E-7BBD-46EC-90C2-30E3B71B419A}" type="datetimeFigureOut">
               <a:rPr lang="es-MX" smtClean="0"/>
-              <a:t>08/03/2020</a:t>
+              <a:t>12/03/2020</a:t>
             </a:fld>
             <a:endParaRPr lang="es-MX"/>
           </a:p>
@@ -2966,7 +2949,7 @@
           <a:p>
             <a:fld id="{B0BF0F4E-8115-4019-94CC-FB96495A6C06}" type="slidenum">
               <a:rPr lang="es-MX" smtClean="0"/>
-              <a:t>‹Nº›</a:t>
+              <a:t>‹#›</a:t>
             </a:fld>
             <a:endParaRPr lang="es-MX"/>
           </a:p>
@@ -3125,7 +3108,7 @@
           <a:p>
             <a:fld id="{64675A1E-7BBD-46EC-90C2-30E3B71B419A}" type="datetimeFigureOut">
               <a:rPr lang="es-MX" smtClean="0"/>
-              <a:t>08/03/2020</a:t>
+              <a:t>12/03/2020</a:t>
             </a:fld>
             <a:endParaRPr lang="es-MX"/>
           </a:p>
@@ -3167,7 +3150,7 @@
           <a:p>
             <a:fld id="{B0BF0F4E-8115-4019-94CC-FB96495A6C06}" type="slidenum">
               <a:rPr lang="es-MX" smtClean="0"/>
-              <a:t>‹Nº›</a:t>
+              <a:t>‹#›</a:t>
             </a:fld>
             <a:endParaRPr lang="es-MX"/>
           </a:p>
@@ -3340,7 +3323,7 @@
           <a:p>
             <a:fld id="{64675A1E-7BBD-46EC-90C2-30E3B71B419A}" type="datetimeFigureOut">
               <a:rPr lang="es-MX" smtClean="0"/>
-              <a:t>08/03/2020</a:t>
+              <a:t>12/03/2020</a:t>
             </a:fld>
             <a:endParaRPr lang="es-MX"/>
           </a:p>
@@ -3382,7 +3365,7 @@
           <a:p>
             <a:fld id="{B0BF0F4E-8115-4019-94CC-FB96495A6C06}" type="slidenum">
               <a:rPr lang="es-MX" smtClean="0"/>
-              <a:t>‹Nº›</a:t>
+              <a:t>‹#›</a:t>
             </a:fld>
             <a:endParaRPr lang="es-MX"/>
           </a:p>
@@ -3541,7 +3524,7 @@
           <a:p>
             <a:fld id="{64675A1E-7BBD-46EC-90C2-30E3B71B419A}" type="datetimeFigureOut">
               <a:rPr lang="es-MX" smtClean="0"/>
-              <a:t>08/03/2020</a:t>
+              <a:t>12/03/2020</a:t>
             </a:fld>
             <a:endParaRPr lang="es-MX"/>
           </a:p>
@@ -3583,7 +3566,7 @@
           <a:p>
             <a:fld id="{B0BF0F4E-8115-4019-94CC-FB96495A6C06}" type="slidenum">
               <a:rPr lang="es-MX" smtClean="0"/>
-              <a:t>‹Nº›</a:t>
+              <a:t>‹#›</a:t>
             </a:fld>
             <a:endParaRPr lang="es-MX"/>
           </a:p>
@@ -3820,7 +3803,7 @@
           <a:p>
             <a:fld id="{64675A1E-7BBD-46EC-90C2-30E3B71B419A}" type="datetimeFigureOut">
               <a:rPr lang="es-MX" smtClean="0"/>
-              <a:t>08/03/2020</a:t>
+              <a:t>12/03/2020</a:t>
             </a:fld>
             <a:endParaRPr lang="es-MX"/>
           </a:p>
@@ -3862,7 +3845,7 @@
           <a:p>
             <a:fld id="{B0BF0F4E-8115-4019-94CC-FB96495A6C06}" type="slidenum">
               <a:rPr lang="es-MX" smtClean="0"/>
-              <a:t>‹Nº›</a:t>
+              <a:t>‹#›</a:t>
             </a:fld>
             <a:endParaRPr lang="es-MX"/>
           </a:p>
@@ -4088,7 +4071,7 @@
           <a:p>
             <a:fld id="{64675A1E-7BBD-46EC-90C2-30E3B71B419A}" type="datetimeFigureOut">
               <a:rPr lang="es-MX" smtClean="0"/>
-              <a:t>08/03/2020</a:t>
+              <a:t>12/03/2020</a:t>
             </a:fld>
             <a:endParaRPr lang="es-MX"/>
           </a:p>
@@ -4130,7 +4113,7 @@
           <a:p>
             <a:fld id="{B0BF0F4E-8115-4019-94CC-FB96495A6C06}" type="slidenum">
               <a:rPr lang="es-MX" smtClean="0"/>
-              <a:t>‹Nº›</a:t>
+              <a:t>‹#›</a:t>
             </a:fld>
             <a:endParaRPr lang="es-MX"/>
           </a:p>
@@ -4504,7 +4487,7 @@
           <a:p>
             <a:fld id="{64675A1E-7BBD-46EC-90C2-30E3B71B419A}" type="datetimeFigureOut">
               <a:rPr lang="es-MX" smtClean="0"/>
-              <a:t>08/03/2020</a:t>
+              <a:t>12/03/2020</a:t>
             </a:fld>
             <a:endParaRPr lang="es-MX"/>
           </a:p>
@@ -4546,7 +4529,7 @@
           <a:p>
             <a:fld id="{B0BF0F4E-8115-4019-94CC-FB96495A6C06}" type="slidenum">
               <a:rPr lang="es-MX" smtClean="0"/>
-              <a:t>‹Nº›</a:t>
+              <a:t>‹#›</a:t>
             </a:fld>
             <a:endParaRPr lang="es-MX"/>
           </a:p>
@@ -4653,7 +4636,7 @@
           <a:p>
             <a:fld id="{64675A1E-7BBD-46EC-90C2-30E3B71B419A}" type="datetimeFigureOut">
               <a:rPr lang="es-MX" smtClean="0"/>
-              <a:t>08/03/2020</a:t>
+              <a:t>12/03/2020</a:t>
             </a:fld>
             <a:endParaRPr lang="es-MX"/>
           </a:p>
@@ -4695,7 +4678,7 @@
           <a:p>
             <a:fld id="{B0BF0F4E-8115-4019-94CC-FB96495A6C06}" type="slidenum">
               <a:rPr lang="es-MX" smtClean="0"/>
-              <a:t>‹Nº›</a:t>
+              <a:t>‹#›</a:t>
             </a:fld>
             <a:endParaRPr lang="es-MX"/>
           </a:p>
@@ -4779,7 +4762,7 @@
           <a:p>
             <a:fld id="{64675A1E-7BBD-46EC-90C2-30E3B71B419A}" type="datetimeFigureOut">
               <a:rPr lang="es-MX" smtClean="0"/>
-              <a:t>08/03/2020</a:t>
+              <a:t>12/03/2020</a:t>
             </a:fld>
             <a:endParaRPr lang="es-MX"/>
           </a:p>
@@ -4821,7 +4804,7 @@
           <a:p>
             <a:fld id="{B0BF0F4E-8115-4019-94CC-FB96495A6C06}" type="slidenum">
               <a:rPr lang="es-MX" smtClean="0"/>
-              <a:t>‹Nº›</a:t>
+              <a:t>‹#›</a:t>
             </a:fld>
             <a:endParaRPr lang="es-MX"/>
           </a:p>
@@ -5030,7 +5013,7 @@
           <a:p>
             <a:fld id="{64675A1E-7BBD-46EC-90C2-30E3B71B419A}" type="datetimeFigureOut">
               <a:rPr lang="es-MX" smtClean="0"/>
-              <a:t>08/03/2020</a:t>
+              <a:t>12/03/2020</a:t>
             </a:fld>
             <a:endParaRPr lang="es-MX"/>
           </a:p>
@@ -5072,7 +5055,7 @@
           <a:p>
             <a:fld id="{B0BF0F4E-8115-4019-94CC-FB96495A6C06}" type="slidenum">
               <a:rPr lang="es-MX" smtClean="0"/>
-              <a:t>‹Nº›</a:t>
+              <a:t>‹#›</a:t>
             </a:fld>
             <a:endParaRPr lang="es-MX"/>
           </a:p>
@@ -5475,7 +5458,7 @@
           <a:p>
             <a:fld id="{64675A1E-7BBD-46EC-90C2-30E3B71B419A}" type="datetimeFigureOut">
               <a:rPr lang="es-MX" smtClean="0"/>
-              <a:t>08/03/2020</a:t>
+              <a:t>12/03/2020</a:t>
             </a:fld>
             <a:endParaRPr lang="es-MX"/>
           </a:p>
@@ -5522,7 +5505,7 @@
           <a:p>
             <a:fld id="{B0BF0F4E-8115-4019-94CC-FB96495A6C06}" type="slidenum">
               <a:rPr lang="es-MX" smtClean="0"/>
-              <a:t>‹Nº›</a:t>
+              <a:t>‹#›</a:t>
             </a:fld>
             <a:endParaRPr lang="es-MX"/>
           </a:p>
@@ -5802,7 +5785,7 @@
           <a:p>
             <a:fld id="{64675A1E-7BBD-46EC-90C2-30E3B71B419A}" type="datetimeFigureOut">
               <a:rPr lang="es-MX" smtClean="0"/>
-              <a:t>08/03/2020</a:t>
+              <a:t>12/03/2020</a:t>
             </a:fld>
             <a:endParaRPr lang="es-MX"/>
           </a:p>
@@ -5878,7 +5861,7 @@
           <a:p>
             <a:fld id="{B0BF0F4E-8115-4019-94CC-FB96495A6C06}" type="slidenum">
               <a:rPr lang="es-MX" smtClean="0"/>
-              <a:t>‹Nº›</a:t>
+              <a:t>‹#›</a:t>
             </a:fld>
             <a:endParaRPr lang="es-MX"/>
           </a:p>
@@ -6293,7 +6276,7 @@
           <p:cNvPr id="2" name="Title 1">
             <a:extLst>
               <a:ext uri="{FF2B5EF4-FFF2-40B4-BE49-F238E27FC236}">
-                <a16:creationId xmlns:a16="http://schemas.microsoft.com/office/drawing/2014/main" xmlns="" id="{32D5BD50-28EC-43B5-839F-B9E51F44CFB4}"/>
+                <a16:creationId xmlns:a16="http://schemas.microsoft.com/office/drawing/2014/main" id="{32D5BD50-28EC-43B5-839F-B9E51F44CFB4}"/>
               </a:ext>
             </a:extLst>
           </p:cNvPr>
@@ -6307,7 +6290,7 @@
         <p:spPr/>
         <p:txBody>
           <a:bodyPr>
-            <a:normAutofit/>
+            <a:normAutofit fontScale="90000"/>
           </a:bodyPr>
           <a:lstStyle/>
           <a:p>
@@ -6331,7 +6314,7 @@
           <p:cNvPr id="3" name="Subtitle 2">
             <a:extLst>
               <a:ext uri="{FF2B5EF4-FFF2-40B4-BE49-F238E27FC236}">
-                <a16:creationId xmlns:a16="http://schemas.microsoft.com/office/drawing/2014/main" xmlns="" id="{74F90FDB-688B-4608-BE91-19666CC84DA5}"/>
+                <a16:creationId xmlns:a16="http://schemas.microsoft.com/office/drawing/2014/main" id="{74F90FDB-688B-4608-BE91-19666CC84DA5}"/>
               </a:ext>
             </a:extLst>
           </p:cNvPr>
@@ -6371,6 +6354,30 @@
 <file path=ppt/slides/slide10.xml><?xml version="1.0" encoding="utf-8"?>
 <p:sld xmlns:a="http://schemas.openxmlformats.org/drawingml/2006/main" xmlns:r="http://schemas.openxmlformats.org/officeDocument/2006/relationships" xmlns:p="http://schemas.openxmlformats.org/presentationml/2006/main">
   <p:cSld>
+    <p:bg>
+      <p:bgPr>
+        <a:gradFill rotWithShape="1">
+          <a:gsLst>
+            <a:gs pos="0">
+              <a:schemeClr val="bg2">
+                <a:tint val="94000"/>
+                <a:satMod val="80000"/>
+                <a:lumMod val="106000"/>
+              </a:schemeClr>
+            </a:gs>
+            <a:gs pos="100000">
+              <a:schemeClr val="bg2">
+                <a:shade val="80000"/>
+              </a:schemeClr>
+            </a:gs>
+          </a:gsLst>
+          <a:path path="circle">
+            <a:fillToRect l="43000" r="43000" b="100000"/>
+          </a:path>
+        </a:gradFill>
+        <a:effectLst/>
+      </p:bgPr>
+    </p:bg>
     <p:spTree>
       <p:nvGrpSpPr>
         <p:cNvPr id="1" name=""/>
@@ -6385,12 +6392,120 @@
           <a:chExt cx="0" cy="0"/>
         </a:xfrm>
       </p:grpSpPr>
+      <p:sp useBgFill="1">
+        <p:nvSpPr>
+          <p:cNvPr id="12" name="Rectangle 11">
+            <a:extLst>
+              <a:ext uri="{FF2B5EF4-FFF2-40B4-BE49-F238E27FC236}">
+                <a16:creationId xmlns:a16="http://schemas.microsoft.com/office/drawing/2014/main" id="{35C3D674-3D59-4E93-80CA-0C0A9095E816}"/>
+              </a:ext>
+              <a:ext uri="{C183D7F6-B498-43B3-948B-1728B52AA6E4}">
+                <adec:decorative xmlns:adec="http://schemas.microsoft.com/office/drawing/2017/decorative" val="1"/>
+              </a:ext>
+            </a:extLst>
+          </p:cNvPr>
+          <p:cNvSpPr>
+            <a:spLocks noGrp="1" noRot="1" noChangeAspect="1" noMove="1" noResize="1" noEditPoints="1" noAdjustHandles="1" noChangeArrowheads="1" noChangeShapeType="1" noTextEdit="1"/>
+          </p:cNvSpPr>
+          <p:nvPr>
+            <p:extLst>
+              <p:ext uri="{386F3935-93C4-4BCD-93E2-E3B085C9AB24}">
+                <p16:designElem xmlns:p16="http://schemas.microsoft.com/office/powerpoint/2015/main" val="1"/>
+              </p:ext>
+            </p:extLst>
+          </p:nvPr>
+        </p:nvSpPr>
+        <p:spPr>
+          <a:xfrm>
+            <a:off x="2" y="0"/>
+            <a:ext cx="12191695" cy="6858000"/>
+          </a:xfrm>
+          <a:prstGeom prst="rect">
+            <a:avLst/>
+          </a:prstGeom>
+          <a:ln>
+            <a:noFill/>
+          </a:ln>
+        </p:spPr>
+        <p:style>
+          <a:lnRef idx="2">
+            <a:schemeClr val="accent1">
+              <a:shade val="50000"/>
+            </a:schemeClr>
+          </a:lnRef>
+          <a:fillRef idx="1">
+            <a:schemeClr val="accent1"/>
+          </a:fillRef>
+          <a:effectRef idx="0">
+            <a:schemeClr val="accent1"/>
+          </a:effectRef>
+          <a:fontRef idx="minor">
+            <a:schemeClr val="lt1"/>
+          </a:fontRef>
+        </p:style>
+        <p:txBody>
+          <a:bodyPr rtlCol="0" anchor="ctr"/>
+          <a:lstStyle/>
+          <a:p>
+            <a:pPr algn="ctr"/>
+            <a:endParaRPr lang="en-US"/>
+          </a:p>
+        </p:txBody>
+      </p:sp>
+      <p:cxnSp>
+        <p:nvCxnSpPr>
+          <p:cNvPr id="14" name="Straight Connector 13">
+            <a:extLst>
+              <a:ext uri="{FF2B5EF4-FFF2-40B4-BE49-F238E27FC236}">
+                <a16:creationId xmlns:a16="http://schemas.microsoft.com/office/drawing/2014/main" id="{C884B8F8-FDC9-498B-9960-5D7260AFCB03}"/>
+              </a:ext>
+              <a:ext uri="{C183D7F6-B498-43B3-948B-1728B52AA6E4}">
+                <adec:decorative xmlns:adec="http://schemas.microsoft.com/office/drawing/2017/decorative" val="1"/>
+              </a:ext>
+            </a:extLst>
+          </p:cNvPr>
+          <p:cNvCxnSpPr>
+            <a:cxnSpLocks noGrp="1" noRot="1" noChangeAspect="1" noMove="1" noResize="1" noEditPoints="1" noAdjustHandles="1" noChangeArrowheads="1" noChangeShapeType="1"/>
+          </p:cNvCxnSpPr>
+          <p:nvPr>
+            <p:extLst>
+              <p:ext uri="{386F3935-93C4-4BCD-93E2-E3B085C9AB24}">
+                <p16:designElem xmlns:p16="http://schemas.microsoft.com/office/powerpoint/2015/main" val="1"/>
+              </p:ext>
+            </p:extLst>
+          </p:nvPr>
+        </p:nvCxnSpPr>
+        <p:spPr>
+          <a:xfrm>
+            <a:off x="1453896" y="1847088"/>
+            <a:ext cx="4177373" cy="0"/>
+          </a:xfrm>
+          <a:prstGeom prst="line">
+            <a:avLst/>
+          </a:prstGeom>
+          <a:ln w="31750"/>
+        </p:spPr>
+        <p:style>
+          <a:lnRef idx="3">
+            <a:schemeClr val="accent1"/>
+          </a:lnRef>
+          <a:fillRef idx="0">
+            <a:schemeClr val="accent1"/>
+          </a:fillRef>
+          <a:effectRef idx="2">
+            <a:schemeClr val="accent1"/>
+          </a:effectRef>
+          <a:fontRef idx="minor">
+            <a:schemeClr val="tx1"/>
+          </a:fontRef>
+        </p:style>
+      </p:cxnSp>
       <p:sp>
         <p:nvSpPr>
           <p:cNvPr id="2" name="Title 1">
             <a:extLst>
               <a:ext uri="{FF2B5EF4-FFF2-40B4-BE49-F238E27FC236}">
-                <a16:creationId xmlns:a16="http://schemas.microsoft.com/office/drawing/2014/main" xmlns="" id="{4A494A44-DE60-4B09-ABB9-555A09589F7A}"/>
+                <a16:creationId xmlns:a16="http://schemas.microsoft.com/office/drawing/2014/main" id="{4A494A44-DE60-4B09-ABB9-555A09589F7A}"/>
               </a:ext>
             </a:extLst>
           </p:cNvPr>
@@ -6401,12 +6516,104 @@
             <p:ph type="title"/>
           </p:nvPr>
         </p:nvSpPr>
-        <p:spPr/>
-        <p:txBody>
-          <a:bodyPr/>
+        <p:spPr>
+          <a:xfrm>
+            <a:off x="1451580" y="804520"/>
+            <a:ext cx="4176511" cy="1049235"/>
+          </a:xfrm>
+        </p:spPr>
+        <p:txBody>
+          <a:bodyPr>
+            <a:normAutofit/>
+          </a:bodyPr>
           <a:lstStyle/>
           <a:p>
-            <a:endParaRPr lang="es-MX"/>
+            <a:r>
+              <a:rPr lang="en-US" dirty="0"/>
+              <a:t>Hypothesis Test</a:t>
+            </a:r>
+            <a:br>
+              <a:rPr lang="en-US" dirty="0"/>
+            </a:br>
+            <a:r>
+              <a:rPr lang="en-US" dirty="0"/>
+              <a:t>Example</a:t>
+            </a:r>
+            <a:endParaRPr lang="es-MX" dirty="0"/>
+          </a:p>
+        </p:txBody>
+      </p:sp>
+      <p:sp>
+        <p:nvSpPr>
+          <p:cNvPr id="16" name="Rectangle 15">
+            <a:extLst>
+              <a:ext uri="{FF2B5EF4-FFF2-40B4-BE49-F238E27FC236}">
+                <a16:creationId xmlns:a16="http://schemas.microsoft.com/office/drawing/2014/main" id="{EF2A81E1-BCBE-426B-8C09-33274E69409D}"/>
+              </a:ext>
+              <a:ext uri="{C183D7F6-B498-43B3-948B-1728B52AA6E4}">
+                <adec:decorative xmlns:adec="http://schemas.microsoft.com/office/drawing/2017/decorative" val="1"/>
+              </a:ext>
+            </a:extLst>
+          </p:cNvPr>
+          <p:cNvSpPr>
+            <a:spLocks noGrp="1" noRot="1" noChangeAspect="1" noMove="1" noResize="1" noEditPoints="1" noAdjustHandles="1" noChangeArrowheads="1" noChangeShapeType="1" noTextEdit="1"/>
+          </p:cNvSpPr>
+          <p:nvPr>
+            <p:extLst>
+              <p:ext uri="{386F3935-93C4-4BCD-93E2-E3B085C9AB24}">
+                <p16:designElem xmlns:p16="http://schemas.microsoft.com/office/powerpoint/2015/main" val="1"/>
+              </p:ext>
+            </p:extLst>
+          </p:nvPr>
+        </p:nvSpPr>
+        <p:spPr>
+          <a:xfrm>
+            <a:off x="0" y="2019476"/>
+            <a:ext cx="12192000" cy="4105941"/>
+          </a:xfrm>
+          <a:prstGeom prst="rect">
+            <a:avLst/>
+          </a:prstGeom>
+          <a:gradFill flip="none" rotWithShape="1">
+            <a:gsLst>
+              <a:gs pos="0">
+                <a:schemeClr val="bg2">
+                  <a:alpha val="0"/>
+                </a:schemeClr>
+              </a:gs>
+              <a:gs pos="100000">
+                <a:schemeClr val="bg2"/>
+              </a:gs>
+            </a:gsLst>
+            <a:lin ang="5400000" scaled="0"/>
+            <a:tileRect/>
+          </a:gradFill>
+          <a:ln>
+            <a:noFill/>
+          </a:ln>
+        </p:spPr>
+        <p:style>
+          <a:lnRef idx="2">
+            <a:schemeClr val="accent1">
+              <a:shade val="50000"/>
+            </a:schemeClr>
+          </a:lnRef>
+          <a:fillRef idx="1">
+            <a:schemeClr val="accent1"/>
+          </a:fillRef>
+          <a:effectRef idx="0">
+            <a:schemeClr val="accent1"/>
+          </a:effectRef>
+          <a:fontRef idx="minor">
+            <a:schemeClr val="lt1"/>
+          </a:fontRef>
+        </p:style>
+        <p:txBody>
+          <a:bodyPr rtlCol="0" anchor="ctr"/>
+          <a:lstStyle/>
+          <a:p>
+            <a:pPr lvl="0" algn="ctr"/>
+            <a:endParaRPr lang="en-US"/>
           </a:p>
         </p:txBody>
       </p:sp>
@@ -6415,7 +6622,7 @@
           <p:cNvPr id="3" name="Content Placeholder 2">
             <a:extLst>
               <a:ext uri="{FF2B5EF4-FFF2-40B4-BE49-F238E27FC236}">
-                <a16:creationId xmlns:a16="http://schemas.microsoft.com/office/drawing/2014/main" xmlns="" id="{07C6715C-9AAD-4835-9F7F-B96BD9D2E587}"/>
+                <a16:creationId xmlns:a16="http://schemas.microsoft.com/office/drawing/2014/main" id="{07C6715C-9AAD-4835-9F7F-B96BD9D2E587}"/>
               </a:ext>
             </a:extLst>
           </p:cNvPr>
@@ -6426,19 +6633,1384 @@
             <p:ph idx="1"/>
           </p:nvPr>
         </p:nvSpPr>
-        <p:spPr/>
-        <p:txBody>
-          <a:bodyPr/>
+        <p:spPr>
+          <a:xfrm>
+            <a:off x="1451581" y="2015732"/>
+            <a:ext cx="4172212" cy="3450613"/>
+          </a:xfrm>
+        </p:spPr>
+        <p:txBody>
+          <a:bodyPr>
+            <a:normAutofit/>
+          </a:bodyPr>
           <a:lstStyle/>
           <a:p>
-            <a:endParaRPr lang="es-MX"/>
-          </a:p>
-        </p:txBody>
-      </p:sp>
+            <a:r>
+              <a:rPr lang="en-US" dirty="0"/>
+              <a:t>Is it true that vitamin C has the ability to cure or prevent the common cold? Or is it just a myth? There's nothing like an in-depth experiment to get to the bottom of it all. </a:t>
+            </a:r>
+            <a:endParaRPr lang="es-MX" dirty="0"/>
+          </a:p>
+        </p:txBody>
+      </p:sp>
+      <p:pic>
+        <p:nvPicPr>
+          <p:cNvPr id="7" name="Graphic 6" descr="Questions">
+            <a:extLst>
+              <a:ext uri="{FF2B5EF4-FFF2-40B4-BE49-F238E27FC236}">
+                <a16:creationId xmlns:a16="http://schemas.microsoft.com/office/drawing/2014/main" id="{8F45E9DB-49A2-4B24-A0EC-CB5CFCDB72F7}"/>
+              </a:ext>
+            </a:extLst>
+          </p:cNvPr>
+          <p:cNvPicPr>
+            <a:picLocks noChangeAspect="1"/>
+          </p:cNvPicPr>
+          <p:nvPr/>
+        </p:nvPicPr>
+        <p:blipFill>
+          <a:blip r:embed="rId2">
+            <a:extLst>
+              <a:ext uri="{28A0092B-C50C-407E-A947-70E740481C1C}">
+                <a14:useLocalDpi xmlns:a14="http://schemas.microsoft.com/office/drawing/2010/main" val="0"/>
+              </a:ext>
+              <a:ext uri="{96DAC541-7B7A-43D3-8B79-37D633B846F1}">
+                <asvg:svgBlip xmlns:asvg="http://schemas.microsoft.com/office/drawing/2016/SVG/main" r:embed="rId3"/>
+              </a:ext>
+            </a:extLst>
+          </a:blip>
+          <a:stretch>
+            <a:fillRect/>
+          </a:stretch>
+        </p:blipFill>
+        <p:spPr>
+          <a:xfrm>
+            <a:off x="6244251" y="805583"/>
+            <a:ext cx="4660762" cy="4660762"/>
+          </a:xfrm>
+          <a:prstGeom prst="rect">
+            <a:avLst/>
+          </a:prstGeom>
+        </p:spPr>
+      </p:pic>
+      <p:pic>
+        <p:nvPicPr>
+          <p:cNvPr id="18" name="Picture 17">
+            <a:extLst>
+              <a:ext uri="{FF2B5EF4-FFF2-40B4-BE49-F238E27FC236}">
+                <a16:creationId xmlns:a16="http://schemas.microsoft.com/office/drawing/2014/main" id="{39D1DDD4-5BB3-45BA-B9B3-06B62299AD79}"/>
+              </a:ext>
+              <a:ext uri="{C183D7F6-B498-43B3-948B-1728B52AA6E4}">
+                <adec:decorative xmlns:adec="http://schemas.microsoft.com/office/drawing/2017/decorative" val="1"/>
+              </a:ext>
+            </a:extLst>
+          </p:cNvPr>
+          <p:cNvPicPr>
+            <a:picLocks noGrp="1" noRot="1" noChangeAspect="1" noMove="1" noResize="1" noEditPoints="1" noAdjustHandles="1" noChangeArrowheads="1" noChangeShapeType="1" noCrop="1"/>
+          </p:cNvPicPr>
+          <p:nvPr>
+            <p:extLst>
+              <p:ext uri="{386F3935-93C4-4BCD-93E2-E3B085C9AB24}">
+                <p16:designElem xmlns:p16="http://schemas.microsoft.com/office/powerpoint/2015/main" val="1"/>
+              </p:ext>
+            </p:extLst>
+          </p:nvPr>
+        </p:nvPicPr>
+        <p:blipFill rotWithShape="1">
+          <a:blip r:embed="rId4">
+            <a:extLst>
+              <a:ext uri="{28A0092B-C50C-407E-A947-70E740481C1C}">
+                <a14:useLocalDpi xmlns:a14="http://schemas.microsoft.com/office/drawing/2010/main" val="0"/>
+              </a:ext>
+            </a:extLst>
+          </a:blip>
+          <a:srcRect t="1538" b="-1538"/>
+          <a:stretch/>
+        </p:blipFill>
+        <p:spPr bwMode="black">
+          <a:xfrm>
+            <a:off x="0" y="6126480"/>
+            <a:ext cx="12192000" cy="742950"/>
+          </a:xfrm>
+          <a:prstGeom prst="rect">
+            <a:avLst/>
+          </a:prstGeom>
+        </p:spPr>
+      </p:pic>
+      <p:cxnSp>
+        <p:nvCxnSpPr>
+          <p:cNvPr id="20" name="Straight Connector 19">
+            <a:extLst>
+              <a:ext uri="{FF2B5EF4-FFF2-40B4-BE49-F238E27FC236}">
+                <a16:creationId xmlns:a16="http://schemas.microsoft.com/office/drawing/2014/main" id="{A24DAE64-2302-42EA-8239-F2F0775CA5AD}"/>
+              </a:ext>
+              <a:ext uri="{C183D7F6-B498-43B3-948B-1728B52AA6E4}">
+                <adec:decorative xmlns:adec="http://schemas.microsoft.com/office/drawing/2017/decorative" val="1"/>
+              </a:ext>
+            </a:extLst>
+          </p:cNvPr>
+          <p:cNvCxnSpPr>
+            <a:cxnSpLocks noGrp="1" noRot="1" noChangeAspect="1" noMove="1" noResize="1" noEditPoints="1" noAdjustHandles="1" noChangeArrowheads="1" noChangeShapeType="1"/>
+          </p:cNvCxnSpPr>
+          <p:nvPr>
+            <p:extLst>
+              <p:ext uri="{386F3935-93C4-4BCD-93E2-E3B085C9AB24}">
+                <p16:designElem xmlns:p16="http://schemas.microsoft.com/office/powerpoint/2015/main" val="1"/>
+              </p:ext>
+            </p:extLst>
+          </p:nvPr>
+        </p:nvCxnSpPr>
+        <p:spPr>
+          <a:xfrm>
+            <a:off x="0" y="6128413"/>
+            <a:ext cx="12192000" cy="0"/>
+          </a:xfrm>
+          <a:prstGeom prst="line">
+            <a:avLst/>
+          </a:prstGeom>
+          <a:ln w="12700">
+            <a:solidFill>
+              <a:srgbClr val="000001">
+                <a:alpha val="20000"/>
+              </a:srgbClr>
+            </a:solidFill>
+          </a:ln>
+        </p:spPr>
+        <p:style>
+          <a:lnRef idx="1">
+            <a:schemeClr val="accent1"/>
+          </a:lnRef>
+          <a:fillRef idx="0">
+            <a:schemeClr val="accent1"/>
+          </a:fillRef>
+          <a:effectRef idx="0">
+            <a:schemeClr val="accent1"/>
+          </a:effectRef>
+          <a:fontRef idx="minor">
+            <a:schemeClr val="tx1"/>
+          </a:fontRef>
+        </p:style>
+      </p:cxnSp>
     </p:spTree>
     <p:extLst>
       <p:ext uri="{BB962C8B-B14F-4D97-AF65-F5344CB8AC3E}">
         <p14:creationId xmlns:p14="http://schemas.microsoft.com/office/powerpoint/2010/main" val="271273088"/>
+      </p:ext>
+    </p:extLst>
+  </p:cSld>
+  <p:clrMapOvr>
+    <a:masterClrMapping/>
+  </p:clrMapOvr>
+</p:sld>
+</file>
+
+<file path=ppt/slides/slide11.xml><?xml version="1.0" encoding="utf-8"?>
+<p:sld xmlns:a="http://schemas.openxmlformats.org/drawingml/2006/main" xmlns:r="http://schemas.openxmlformats.org/officeDocument/2006/relationships" xmlns:p="http://schemas.openxmlformats.org/presentationml/2006/main">
+  <p:cSld>
+    <p:bg>
+      <p:bgPr>
+        <a:gradFill rotWithShape="1">
+          <a:gsLst>
+            <a:gs pos="0">
+              <a:schemeClr val="bg2">
+                <a:tint val="94000"/>
+                <a:satMod val="80000"/>
+                <a:lumMod val="106000"/>
+              </a:schemeClr>
+            </a:gs>
+            <a:gs pos="100000">
+              <a:schemeClr val="bg2">
+                <a:shade val="80000"/>
+              </a:schemeClr>
+            </a:gs>
+          </a:gsLst>
+          <a:path path="circle">
+            <a:fillToRect l="43000" r="43000" b="100000"/>
+          </a:path>
+        </a:gradFill>
+        <a:effectLst/>
+      </p:bgPr>
+    </p:bg>
+    <p:spTree>
+      <p:nvGrpSpPr>
+        <p:cNvPr id="1" name=""/>
+        <p:cNvGrpSpPr/>
+        <p:nvPr/>
+      </p:nvGrpSpPr>
+      <p:grpSpPr>
+        <a:xfrm>
+          <a:off x="0" y="0"/>
+          <a:ext cx="0" cy="0"/>
+          <a:chOff x="0" y="0"/>
+          <a:chExt cx="0" cy="0"/>
+        </a:xfrm>
+      </p:grpSpPr>
+      <p:sp>
+        <p:nvSpPr>
+          <p:cNvPr id="2" name="Title 1">
+            <a:extLst>
+              <a:ext uri="{FF2B5EF4-FFF2-40B4-BE49-F238E27FC236}">
+                <a16:creationId xmlns:a16="http://schemas.microsoft.com/office/drawing/2014/main" id="{4F239B46-D7E2-43C5-AD44-14C74D56EEDE}"/>
+              </a:ext>
+            </a:extLst>
+          </p:cNvPr>
+          <p:cNvSpPr>
+            <a:spLocks noGrp="1"/>
+          </p:cNvSpPr>
+          <p:nvPr>
+            <p:ph type="title"/>
+          </p:nvPr>
+        </p:nvSpPr>
+        <p:spPr>
+          <a:xfrm>
+            <a:off x="1451579" y="804519"/>
+            <a:ext cx="9603275" cy="1049235"/>
+          </a:xfrm>
+        </p:spPr>
+        <p:txBody>
+          <a:bodyPr>
+            <a:normAutofit/>
+          </a:bodyPr>
+          <a:lstStyle/>
+          <a:p>
+            <a:r>
+              <a:rPr lang="en-US" dirty="0"/>
+              <a:t>Hypothesis Test</a:t>
+            </a:r>
+            <a:br>
+              <a:rPr lang="en-US" dirty="0"/>
+            </a:br>
+            <a:r>
+              <a:rPr lang="en-US" dirty="0"/>
+              <a:t>Example</a:t>
+            </a:r>
+            <a:endParaRPr lang="es-MX" dirty="0"/>
+          </a:p>
+        </p:txBody>
+      </p:sp>
+      <p:sp>
+        <p:nvSpPr>
+          <p:cNvPr id="3" name="Content Placeholder 2">
+            <a:extLst>
+              <a:ext uri="{FF2B5EF4-FFF2-40B4-BE49-F238E27FC236}">
+                <a16:creationId xmlns:a16="http://schemas.microsoft.com/office/drawing/2014/main" id="{B9E96268-DE20-4C27-8AD2-D90114B8DB75}"/>
+              </a:ext>
+            </a:extLst>
+          </p:cNvPr>
+          <p:cNvSpPr>
+            <a:spLocks noGrp="1"/>
+          </p:cNvSpPr>
+          <p:nvPr>
+            <p:ph idx="1"/>
+          </p:nvPr>
+        </p:nvSpPr>
+        <p:spPr>
+          <a:xfrm>
+            <a:off x="1451579" y="2015734"/>
+            <a:ext cx="4162555" cy="3450613"/>
+          </a:xfrm>
+        </p:spPr>
+        <p:txBody>
+          <a:bodyPr>
+            <a:normAutofit/>
+          </a:bodyPr>
+          <a:lstStyle/>
+          <a:p>
+            <a:r>
+              <a:rPr lang="en-US" b="1" dirty="0"/>
+              <a:t>Null hypothesis</a:t>
+            </a:r>
+            <a:r>
+              <a:rPr lang="en-US" dirty="0"/>
+              <a:t> - Children who take vitamin C are no less likely to become ill during flu season.</a:t>
+            </a:r>
+          </a:p>
+          <a:p>
+            <a:r>
+              <a:rPr lang="en-US" b="1" dirty="0"/>
+              <a:t>Alternative hypothesis</a:t>
+            </a:r>
+            <a:r>
+              <a:rPr lang="en-US" dirty="0"/>
+              <a:t> - Children who take vitamin C are less likely to become ill during flu season.</a:t>
+            </a:r>
+          </a:p>
+          <a:p>
+            <a:endParaRPr lang="es-MX" dirty="0"/>
+          </a:p>
+        </p:txBody>
+      </p:sp>
+      <p:pic>
+        <p:nvPicPr>
+          <p:cNvPr id="5" name="Graphic 4" descr="Magnifying glass">
+            <a:extLst>
+              <a:ext uri="{FF2B5EF4-FFF2-40B4-BE49-F238E27FC236}">
+                <a16:creationId xmlns:a16="http://schemas.microsoft.com/office/drawing/2014/main" id="{25D79534-F030-4396-AEE6-8D0BA909BEF5}"/>
+              </a:ext>
+            </a:extLst>
+          </p:cNvPr>
+          <p:cNvPicPr>
+            <a:picLocks noChangeAspect="1"/>
+          </p:cNvPicPr>
+          <p:nvPr/>
+        </p:nvPicPr>
+        <p:blipFill>
+          <a:blip r:embed="rId2">
+            <a:extLst>
+              <a:ext uri="{28A0092B-C50C-407E-A947-70E740481C1C}">
+                <a14:useLocalDpi xmlns:a14="http://schemas.microsoft.com/office/drawing/2010/main" val="0"/>
+              </a:ext>
+              <a:ext uri="{96DAC541-7B7A-43D3-8B79-37D633B846F1}">
+                <asvg:svgBlip xmlns:asvg="http://schemas.microsoft.com/office/drawing/2016/SVG/main" r:embed="rId3"/>
+              </a:ext>
+            </a:extLst>
+          </a:blip>
+          <a:stretch>
+            <a:fillRect/>
+          </a:stretch>
+        </p:blipFill>
+        <p:spPr>
+          <a:xfrm>
+            <a:off x="6849326" y="2015734"/>
+            <a:ext cx="3450613" cy="3450613"/>
+          </a:xfrm>
+          <a:prstGeom prst="rect">
+            <a:avLst/>
+          </a:prstGeom>
+        </p:spPr>
+      </p:pic>
+    </p:spTree>
+    <p:extLst>
+      <p:ext uri="{BB962C8B-B14F-4D97-AF65-F5344CB8AC3E}">
+        <p14:creationId xmlns:p14="http://schemas.microsoft.com/office/powerpoint/2010/main" val="4174882115"/>
+      </p:ext>
+    </p:extLst>
+  </p:cSld>
+  <p:clrMapOvr>
+    <a:masterClrMapping/>
+  </p:clrMapOvr>
+</p:sld>
+</file>
+
+<file path=ppt/slides/slide12.xml><?xml version="1.0" encoding="utf-8"?>
+<p:sld xmlns:a="http://schemas.openxmlformats.org/drawingml/2006/main" xmlns:r="http://schemas.openxmlformats.org/officeDocument/2006/relationships" xmlns:p="http://schemas.openxmlformats.org/presentationml/2006/main">
+  <p:cSld>
+    <p:spTree>
+      <p:nvGrpSpPr>
+        <p:cNvPr id="1" name=""/>
+        <p:cNvGrpSpPr/>
+        <p:nvPr/>
+      </p:nvGrpSpPr>
+      <p:grpSpPr>
+        <a:xfrm>
+          <a:off x="0" y="0"/>
+          <a:ext cx="0" cy="0"/>
+          <a:chOff x="0" y="0"/>
+          <a:chExt cx="0" cy="0"/>
+        </a:xfrm>
+      </p:grpSpPr>
+      <p:sp>
+        <p:nvSpPr>
+          <p:cNvPr id="2" name="Title 1">
+            <a:extLst>
+              <a:ext uri="{FF2B5EF4-FFF2-40B4-BE49-F238E27FC236}">
+                <a16:creationId xmlns:a16="http://schemas.microsoft.com/office/drawing/2014/main" id="{2E79D948-4BE1-49B8-9C08-E73556B661B4}"/>
+              </a:ext>
+            </a:extLst>
+          </p:cNvPr>
+          <p:cNvSpPr>
+            <a:spLocks noGrp="1"/>
+          </p:cNvSpPr>
+          <p:nvPr>
+            <p:ph type="title"/>
+          </p:nvPr>
+        </p:nvSpPr>
+        <p:spPr/>
+        <p:txBody>
+          <a:bodyPr/>
+          <a:lstStyle/>
+          <a:p>
+            <a:r>
+              <a:rPr lang="en-US" dirty="0"/>
+              <a:t>One-way,  two-way Hypothesis test</a:t>
+            </a:r>
+          </a:p>
+        </p:txBody>
+      </p:sp>
+      <mc:AlternateContent xmlns:mc="http://schemas.openxmlformats.org/markup-compatibility/2006">
+        <mc:Choice xmlns:a14="http://schemas.microsoft.com/office/drawing/2010/main" Requires="a14">
+          <p:sp>
+            <p:nvSpPr>
+              <p:cNvPr id="3" name="Content Placeholder 2">
+                <a:extLst>
+                  <a:ext uri="{FF2B5EF4-FFF2-40B4-BE49-F238E27FC236}">
+                    <a16:creationId xmlns:a16="http://schemas.microsoft.com/office/drawing/2014/main" id="{AA3F3F03-F444-4760-91D7-6C23E9EF36C2}"/>
+                  </a:ext>
+                </a:extLst>
+              </p:cNvPr>
+              <p:cNvSpPr>
+                <a:spLocks noGrp="1"/>
+              </p:cNvSpPr>
+              <p:nvPr>
+                <p:ph idx="1"/>
+              </p:nvPr>
+            </p:nvSpPr>
+            <p:spPr/>
+            <p:txBody>
+              <a:bodyPr>
+                <a:normAutofit/>
+              </a:bodyPr>
+              <a:lstStyle/>
+              <a:p>
+                <a:pPr marL="0" indent="0">
+                  <a:buNone/>
+                </a:pPr>
+                <a:r>
+                  <a:rPr lang="en-US" dirty="0"/>
+                  <a:t>Often, we want to test a new option B, against an established default option A and the presumption is that we will stick with the default option unless the new option proves itself definitively better.</a:t>
+                </a:r>
+              </a:p>
+              <a:p>
+                <a:pPr marL="0" indent="0">
+                  <a:buNone/>
+                </a:pPr>
+                <a:r>
+                  <a:rPr lang="en-US" dirty="0"/>
+                  <a:t>Null : “no difference between the means of group A and group B”,  alternative: “A is different from B”</a:t>
+                </a:r>
+              </a:p>
+              <a:p>
+                <a:pPr marL="0" indent="0" algn="ctr">
+                  <a:buNone/>
+                </a:pPr>
+                <a14:m>
+                  <m:oMathPara xmlns:m="http://schemas.openxmlformats.org/officeDocument/2006/math">
+                    <m:oMathParaPr>
+                      <m:jc m:val="centerGroup"/>
+                    </m:oMathParaPr>
+                    <m:oMath xmlns:m="http://schemas.openxmlformats.org/officeDocument/2006/math">
+                      <m:sSub>
+                        <m:sSubPr>
+                          <m:ctrlPr>
+                            <a:rPr lang="en-US" i="1" smtClean="0">
+                              <a:latin typeface="Cambria Math" panose="02040503050406030204" pitchFamily="18" charset="0"/>
+                            </a:rPr>
+                          </m:ctrlPr>
+                        </m:sSubPr>
+                        <m:e>
+                          <m:r>
+                            <a:rPr lang="en-US" b="0" i="1" smtClean="0">
+                              <a:latin typeface="Cambria Math" panose="02040503050406030204" pitchFamily="18" charset="0"/>
+                            </a:rPr>
+                            <m:t>𝐻</m:t>
+                          </m:r>
+                        </m:e>
+                        <m:sub>
+                          <m:r>
+                            <a:rPr lang="en-US" b="0" i="1" smtClean="0">
+                              <a:latin typeface="Cambria Math" panose="02040503050406030204" pitchFamily="18" charset="0"/>
+                            </a:rPr>
+                            <m:t>0</m:t>
+                          </m:r>
+                        </m:sub>
+                      </m:sSub>
+                      <m:r>
+                        <a:rPr lang="en-US" b="0" i="1" smtClean="0">
+                          <a:latin typeface="Cambria Math" panose="02040503050406030204" pitchFamily="18" charset="0"/>
+                        </a:rPr>
+                        <m:t>:</m:t>
+                      </m:r>
+                      <m:r>
+                        <a:rPr lang="en-US" b="0" i="1" smtClean="0">
+                          <a:latin typeface="Cambria Math" panose="02040503050406030204" pitchFamily="18" charset="0"/>
+                        </a:rPr>
+                        <m:t>𝐴</m:t>
+                      </m:r>
+                      <m:r>
+                        <a:rPr lang="en-US" b="0" i="1" smtClean="0">
+                          <a:latin typeface="Cambria Math" panose="02040503050406030204" pitchFamily="18" charset="0"/>
+                        </a:rPr>
+                        <m:t>=</m:t>
+                      </m:r>
+                      <m:r>
+                        <a:rPr lang="en-US" b="0" i="1" smtClean="0">
+                          <a:latin typeface="Cambria Math" panose="02040503050406030204" pitchFamily="18" charset="0"/>
+                        </a:rPr>
+                        <m:t>𝐵</m:t>
+                      </m:r>
+                      <m:r>
+                        <a:rPr lang="en-US" b="0" i="1" smtClean="0">
+                          <a:latin typeface="Cambria Math" panose="02040503050406030204" pitchFamily="18" charset="0"/>
+                        </a:rPr>
+                        <m:t> </m:t>
+                      </m:r>
+                      <m:r>
+                        <a:rPr lang="en-US" b="0" i="1" smtClean="0">
+                          <a:latin typeface="Cambria Math" panose="02040503050406030204" pitchFamily="18" charset="0"/>
+                        </a:rPr>
+                        <m:t>𝑣𝑠</m:t>
+                      </m:r>
+                      <m:r>
+                        <a:rPr lang="en-US" b="0" i="1" smtClean="0">
+                          <a:latin typeface="Cambria Math" panose="02040503050406030204" pitchFamily="18" charset="0"/>
+                        </a:rPr>
+                        <m:t> </m:t>
+                      </m:r>
+                      <m:sSub>
+                        <m:sSubPr>
+                          <m:ctrlPr>
+                            <a:rPr lang="en-US" b="0" i="1" smtClean="0">
+                              <a:latin typeface="Cambria Math" panose="02040503050406030204" pitchFamily="18" charset="0"/>
+                            </a:rPr>
+                          </m:ctrlPr>
+                        </m:sSubPr>
+                        <m:e>
+                          <m:r>
+                            <a:rPr lang="en-US" b="0" i="1" smtClean="0">
+                              <a:latin typeface="Cambria Math" panose="02040503050406030204" pitchFamily="18" charset="0"/>
+                            </a:rPr>
+                            <m:t>𝐻</m:t>
+                          </m:r>
+                        </m:e>
+                        <m:sub>
+                          <m:r>
+                            <a:rPr lang="en-US" b="0" i="1" smtClean="0">
+                              <a:latin typeface="Cambria Math" panose="02040503050406030204" pitchFamily="18" charset="0"/>
+                            </a:rPr>
+                            <m:t>1</m:t>
+                          </m:r>
+                        </m:sub>
+                      </m:sSub>
+                      <m:r>
+                        <a:rPr lang="en-US" b="0" i="1" smtClean="0">
+                          <a:latin typeface="Cambria Math" panose="02040503050406030204" pitchFamily="18" charset="0"/>
+                        </a:rPr>
+                        <m:t>:</m:t>
+                      </m:r>
+                      <m:r>
+                        <a:rPr lang="en-US" b="0" i="1" smtClean="0">
+                          <a:latin typeface="Cambria Math" panose="02040503050406030204" pitchFamily="18" charset="0"/>
+                        </a:rPr>
+                        <m:t>𝐴</m:t>
+                      </m:r>
+                      <m:r>
+                        <a:rPr lang="en-US" b="0" i="1" smtClean="0">
+                          <a:latin typeface="Cambria Math" panose="02040503050406030204" pitchFamily="18" charset="0"/>
+                          <a:ea typeface="Cambria Math" panose="02040503050406030204" pitchFamily="18" charset="0"/>
+                        </a:rPr>
+                        <m:t>≠</m:t>
+                      </m:r>
+                      <m:r>
+                        <a:rPr lang="en-US" b="0" i="1" smtClean="0">
+                          <a:latin typeface="Cambria Math" panose="02040503050406030204" pitchFamily="18" charset="0"/>
+                          <a:ea typeface="Cambria Math" panose="02040503050406030204" pitchFamily="18" charset="0"/>
+                        </a:rPr>
+                        <m:t>𝐵</m:t>
+                      </m:r>
+                    </m:oMath>
+                  </m:oMathPara>
+                </a14:m>
+                <a:endParaRPr lang="en-US" dirty="0"/>
+              </a:p>
+              <a:p>
+                <a:pPr marL="0" indent="0">
+                  <a:buNone/>
+                </a:pPr>
+                <a:r>
+                  <a:rPr lang="en-US" dirty="0"/>
+                  <a:t>Null : “group B is equal or better than group A”,  alternative: “A is better than B”</a:t>
+                </a:r>
+              </a:p>
+              <a:p>
+                <a:pPr marL="0" indent="0" algn="ctr">
+                  <a:buNone/>
+                </a:pPr>
+                <a14:m>
+                  <m:oMathPara xmlns:m="http://schemas.openxmlformats.org/officeDocument/2006/math">
+                    <m:oMathParaPr>
+                      <m:jc m:val="centerGroup"/>
+                    </m:oMathParaPr>
+                    <m:oMath xmlns:m="http://schemas.openxmlformats.org/officeDocument/2006/math">
+                      <m:sSub>
+                        <m:sSubPr>
+                          <m:ctrlPr>
+                            <a:rPr lang="en-US" i="1">
+                              <a:latin typeface="Cambria Math" panose="02040503050406030204" pitchFamily="18" charset="0"/>
+                            </a:rPr>
+                          </m:ctrlPr>
+                        </m:sSubPr>
+                        <m:e>
+                          <m:r>
+                            <a:rPr lang="en-US" i="1">
+                              <a:latin typeface="Cambria Math" panose="02040503050406030204" pitchFamily="18" charset="0"/>
+                            </a:rPr>
+                            <m:t>𝐻</m:t>
+                          </m:r>
+                        </m:e>
+                        <m:sub>
+                          <m:r>
+                            <a:rPr lang="en-US" i="1">
+                              <a:latin typeface="Cambria Math" panose="02040503050406030204" pitchFamily="18" charset="0"/>
+                            </a:rPr>
+                            <m:t>0</m:t>
+                          </m:r>
+                        </m:sub>
+                      </m:sSub>
+                      <m:r>
+                        <a:rPr lang="en-US" i="1">
+                          <a:latin typeface="Cambria Math" panose="02040503050406030204" pitchFamily="18" charset="0"/>
+                        </a:rPr>
+                        <m:t>:</m:t>
+                      </m:r>
+                      <m:r>
+                        <a:rPr lang="en-US" i="1">
+                          <a:latin typeface="Cambria Math" panose="02040503050406030204" pitchFamily="18" charset="0"/>
+                        </a:rPr>
+                        <m:t>𝐴</m:t>
+                      </m:r>
+                      <m:r>
+                        <a:rPr lang="en-US" i="1" smtClean="0">
+                          <a:latin typeface="Cambria Math" panose="02040503050406030204" pitchFamily="18" charset="0"/>
+                          <a:ea typeface="Cambria Math" panose="02040503050406030204" pitchFamily="18" charset="0"/>
+                        </a:rPr>
+                        <m:t>≤</m:t>
+                      </m:r>
+                      <m:r>
+                        <a:rPr lang="en-US" i="1">
+                          <a:latin typeface="Cambria Math" panose="02040503050406030204" pitchFamily="18" charset="0"/>
+                        </a:rPr>
+                        <m:t>𝐵</m:t>
+                      </m:r>
+                      <m:r>
+                        <a:rPr lang="en-US" i="1">
+                          <a:latin typeface="Cambria Math" panose="02040503050406030204" pitchFamily="18" charset="0"/>
+                        </a:rPr>
+                        <m:t> </m:t>
+                      </m:r>
+                      <m:r>
+                        <a:rPr lang="en-US" i="1">
+                          <a:latin typeface="Cambria Math" panose="02040503050406030204" pitchFamily="18" charset="0"/>
+                        </a:rPr>
+                        <m:t>𝑣𝑠</m:t>
+                      </m:r>
+                      <m:r>
+                        <a:rPr lang="en-US" i="1">
+                          <a:latin typeface="Cambria Math" panose="02040503050406030204" pitchFamily="18" charset="0"/>
+                        </a:rPr>
+                        <m:t> </m:t>
+                      </m:r>
+                      <m:sSub>
+                        <m:sSubPr>
+                          <m:ctrlPr>
+                            <a:rPr lang="en-US" i="1">
+                              <a:latin typeface="Cambria Math" panose="02040503050406030204" pitchFamily="18" charset="0"/>
+                            </a:rPr>
+                          </m:ctrlPr>
+                        </m:sSubPr>
+                        <m:e>
+                          <m:r>
+                            <a:rPr lang="en-US" i="1">
+                              <a:latin typeface="Cambria Math" panose="02040503050406030204" pitchFamily="18" charset="0"/>
+                            </a:rPr>
+                            <m:t>𝐻</m:t>
+                          </m:r>
+                        </m:e>
+                        <m:sub>
+                          <m:r>
+                            <a:rPr lang="en-US" i="1">
+                              <a:latin typeface="Cambria Math" panose="02040503050406030204" pitchFamily="18" charset="0"/>
+                            </a:rPr>
+                            <m:t>1</m:t>
+                          </m:r>
+                        </m:sub>
+                      </m:sSub>
+                      <m:r>
+                        <a:rPr lang="en-US" i="1">
+                          <a:latin typeface="Cambria Math" panose="02040503050406030204" pitchFamily="18" charset="0"/>
+                        </a:rPr>
+                        <m:t>:</m:t>
+                      </m:r>
+                      <m:r>
+                        <a:rPr lang="en-US" i="1">
+                          <a:latin typeface="Cambria Math" panose="02040503050406030204" pitchFamily="18" charset="0"/>
+                        </a:rPr>
+                        <m:t>𝐴</m:t>
+                      </m:r>
+                      <m:r>
+                        <a:rPr lang="en-US" i="1" smtClean="0">
+                          <a:latin typeface="Cambria Math" panose="02040503050406030204" pitchFamily="18" charset="0"/>
+                          <a:ea typeface="Cambria Math" panose="02040503050406030204" pitchFamily="18" charset="0"/>
+                        </a:rPr>
+                        <m:t>&gt;</m:t>
+                      </m:r>
+                      <m:r>
+                        <a:rPr lang="en-US" i="1">
+                          <a:latin typeface="Cambria Math" panose="02040503050406030204" pitchFamily="18" charset="0"/>
+                          <a:ea typeface="Cambria Math" panose="02040503050406030204" pitchFamily="18" charset="0"/>
+                        </a:rPr>
+                        <m:t>𝐵</m:t>
+                      </m:r>
+                    </m:oMath>
+                  </m:oMathPara>
+                </a14:m>
+                <a:endParaRPr lang="en-US" dirty="0"/>
+              </a:p>
+            </p:txBody>
+          </p:sp>
+        </mc:Choice>
+        <mc:Fallback>
+          <p:sp>
+            <p:nvSpPr>
+              <p:cNvPr id="3" name="Content Placeholder 2">
+                <a:extLst>
+                  <a:ext uri="{FF2B5EF4-FFF2-40B4-BE49-F238E27FC236}">
+                    <a16:creationId xmlns:a16="http://schemas.microsoft.com/office/drawing/2014/main" id="{AA3F3F03-F444-4760-91D7-6C23E9EF36C2}"/>
+                  </a:ext>
+                </a:extLst>
+              </p:cNvPr>
+              <p:cNvSpPr>
+                <a:spLocks noGrp="1" noRot="1" noChangeAspect="1" noMove="1" noResize="1" noEditPoints="1" noAdjustHandles="1" noChangeArrowheads="1" noChangeShapeType="1" noTextEdit="1"/>
+              </p:cNvSpPr>
+              <p:nvPr>
+                <p:ph idx="1"/>
+              </p:nvPr>
+            </p:nvSpPr>
+            <p:spPr>
+              <a:blipFill>
+                <a:blip r:embed="rId2"/>
+                <a:stretch>
+                  <a:fillRect l="-635" t="-177" r="-1206"/>
+                </a:stretch>
+              </a:blipFill>
+            </p:spPr>
+            <p:txBody>
+              <a:bodyPr/>
+              <a:lstStyle/>
+              <a:p>
+                <a:r>
+                  <a:rPr lang="es-MX">
+                    <a:noFill/>
+                  </a:rPr>
+                  <a:t> </a:t>
+                </a:r>
+              </a:p>
+            </p:txBody>
+          </p:sp>
+        </mc:Fallback>
+      </mc:AlternateContent>
+    </p:spTree>
+    <p:extLst>
+      <p:ext uri="{BB962C8B-B14F-4D97-AF65-F5344CB8AC3E}">
+        <p14:creationId xmlns:p14="http://schemas.microsoft.com/office/powerpoint/2010/main" val="1115206253"/>
+      </p:ext>
+    </p:extLst>
+  </p:cSld>
+  <p:clrMapOvr>
+    <a:masterClrMapping/>
+  </p:clrMapOvr>
+</p:sld>
+</file>
+
+<file path=ppt/slides/slide13.xml><?xml version="1.0" encoding="utf-8"?>
+<p:sld xmlns:a="http://schemas.openxmlformats.org/drawingml/2006/main" xmlns:r="http://schemas.openxmlformats.org/officeDocument/2006/relationships" xmlns:p="http://schemas.openxmlformats.org/presentationml/2006/main">
+  <p:cSld>
+    <p:spTree>
+      <p:nvGrpSpPr>
+        <p:cNvPr id="1" name=""/>
+        <p:cNvGrpSpPr/>
+        <p:nvPr/>
+      </p:nvGrpSpPr>
+      <p:grpSpPr>
+        <a:xfrm>
+          <a:off x="0" y="0"/>
+          <a:ext cx="0" cy="0"/>
+          <a:chOff x="0" y="0"/>
+          <a:chExt cx="0" cy="0"/>
+        </a:xfrm>
+      </p:grpSpPr>
+      <p:sp>
+        <p:nvSpPr>
+          <p:cNvPr id="2" name="Title 1">
+            <a:extLst>
+              <a:ext uri="{FF2B5EF4-FFF2-40B4-BE49-F238E27FC236}">
+                <a16:creationId xmlns:a16="http://schemas.microsoft.com/office/drawing/2014/main" id="{6C3CD590-EB3A-4812-A550-47AB71C75F74}"/>
+              </a:ext>
+            </a:extLst>
+          </p:cNvPr>
+          <p:cNvSpPr>
+            <a:spLocks noGrp="1"/>
+          </p:cNvSpPr>
+          <p:nvPr>
+            <p:ph type="title"/>
+          </p:nvPr>
+        </p:nvSpPr>
+        <p:spPr/>
+        <p:txBody>
+          <a:bodyPr/>
+          <a:lstStyle/>
+          <a:p>
+            <a:r>
+              <a:rPr lang="en-US" dirty="0"/>
+              <a:t>Permutation test</a:t>
+            </a:r>
+            <a:endParaRPr lang="es-MX" dirty="0"/>
+          </a:p>
+        </p:txBody>
+      </p:sp>
+      <p:sp>
+        <p:nvSpPr>
+          <p:cNvPr id="3" name="Content Placeholder 2">
+            <a:extLst>
+              <a:ext uri="{FF2B5EF4-FFF2-40B4-BE49-F238E27FC236}">
+                <a16:creationId xmlns:a16="http://schemas.microsoft.com/office/drawing/2014/main" id="{8AE05787-C583-4E2F-80D6-A857F893EC14}"/>
+              </a:ext>
+            </a:extLst>
+          </p:cNvPr>
+          <p:cNvSpPr>
+            <a:spLocks noGrp="1"/>
+          </p:cNvSpPr>
+          <p:nvPr>
+            <p:ph idx="1"/>
+          </p:nvPr>
+        </p:nvSpPr>
+        <p:spPr/>
+        <p:txBody>
+          <a:bodyPr>
+            <a:normAutofit fontScale="85000" lnSpcReduction="10000"/>
+          </a:bodyPr>
+          <a:lstStyle/>
+          <a:p>
+            <a:r>
+              <a:rPr lang="en-US" dirty="0"/>
+              <a:t>Procedure of combining two or more samples together, and randomly (or exhaustively) reallocating the observations to resamples.</a:t>
+            </a:r>
+          </a:p>
+          <a:p>
+            <a:pPr marL="914400" lvl="1" indent="-457200">
+              <a:buFont typeface="+mj-lt"/>
+              <a:buAutoNum type="arabicPeriod"/>
+            </a:pPr>
+            <a:r>
+              <a:rPr lang="en-US" dirty="0"/>
+              <a:t>Combine results from different groups in a single data set.</a:t>
+            </a:r>
+          </a:p>
+          <a:p>
+            <a:pPr marL="914400" lvl="1" indent="-457200">
+              <a:buFont typeface="+mj-lt"/>
+              <a:buAutoNum type="arabicPeriod"/>
+            </a:pPr>
+            <a:r>
+              <a:rPr lang="en-US" dirty="0"/>
+              <a:t>Shuffle and draw without replacement a resample of group A size.</a:t>
+            </a:r>
+          </a:p>
+          <a:p>
+            <a:pPr marL="914400" lvl="1" indent="-457200">
+              <a:buFont typeface="+mj-lt"/>
+              <a:buAutoNum type="arabicPeriod"/>
+            </a:pPr>
+            <a:r>
+              <a:rPr lang="en-US" dirty="0"/>
+              <a:t>From the remaining, draw without replacement a resample of group B size.</a:t>
+            </a:r>
+          </a:p>
+          <a:p>
+            <a:pPr marL="914400" lvl="1" indent="-457200">
+              <a:buFont typeface="+mj-lt"/>
+              <a:buAutoNum type="arabicPeriod"/>
+            </a:pPr>
+            <a:r>
+              <a:rPr lang="en-US" dirty="0"/>
+              <a:t>Do the same for groups C,D (if necessary)</a:t>
+            </a:r>
+          </a:p>
+          <a:p>
+            <a:pPr marL="914400" lvl="1" indent="-457200">
+              <a:buFont typeface="+mj-lt"/>
+              <a:buAutoNum type="arabicPeriod"/>
+            </a:pPr>
+            <a:r>
+              <a:rPr lang="en-US" dirty="0"/>
+              <a:t>Calculate test statistic for the resamples, and record (one iteration)</a:t>
+            </a:r>
+          </a:p>
+          <a:p>
+            <a:pPr marL="914400" lvl="1" indent="-457200">
+              <a:buFont typeface="+mj-lt"/>
+              <a:buAutoNum type="arabicPeriod"/>
+            </a:pPr>
+            <a:r>
+              <a:rPr lang="en-US" dirty="0"/>
+              <a:t>Repeat R time to yield a permutation distribution of the test statistic</a:t>
+            </a:r>
+          </a:p>
+          <a:p>
+            <a:pPr marL="457200" indent="-457200">
+              <a:buFont typeface="+mj-lt"/>
+              <a:buAutoNum type="arabicPeriod"/>
+            </a:pPr>
+            <a:endParaRPr lang="en-US" dirty="0"/>
+          </a:p>
+          <a:p>
+            <a:pPr marL="0" indent="0">
+              <a:buNone/>
+            </a:pPr>
+            <a:r>
+              <a:rPr lang="en-US" dirty="0"/>
+              <a:t>Go back  to the observed difference between group and compare it to the set of permuted differences.</a:t>
+            </a:r>
+          </a:p>
+          <a:p>
+            <a:pPr marL="0" indent="0">
+              <a:buNone/>
+            </a:pPr>
+            <a:endParaRPr lang="en-US" dirty="0"/>
+          </a:p>
+          <a:p>
+            <a:pPr marL="457200" indent="-457200">
+              <a:buFont typeface="+mj-lt"/>
+              <a:buAutoNum type="arabicPeriod"/>
+            </a:pPr>
+            <a:endParaRPr lang="es-MX" dirty="0"/>
+          </a:p>
+        </p:txBody>
+      </p:sp>
+      <p:pic>
+        <p:nvPicPr>
+          <p:cNvPr id="5" name="Graphic 4" descr="Web design">
+            <a:extLst>
+              <a:ext uri="{FF2B5EF4-FFF2-40B4-BE49-F238E27FC236}">
+                <a16:creationId xmlns:a16="http://schemas.microsoft.com/office/drawing/2014/main" id="{354A96E5-23F6-4F28-8FBF-D8BCA8450F88}"/>
+              </a:ext>
+            </a:extLst>
+          </p:cNvPr>
+          <p:cNvPicPr>
+            <a:picLocks noChangeAspect="1"/>
+          </p:cNvPicPr>
+          <p:nvPr/>
+        </p:nvPicPr>
+        <p:blipFill>
+          <a:blip r:embed="rId2">
+            <a:extLst>
+              <a:ext uri="{28A0092B-C50C-407E-A947-70E740481C1C}">
+                <a14:useLocalDpi xmlns:a14="http://schemas.microsoft.com/office/drawing/2010/main" val="0"/>
+              </a:ext>
+              <a:ext uri="{96DAC541-7B7A-43D3-8B79-37D633B846F1}">
+                <asvg:svgBlip xmlns:asvg="http://schemas.microsoft.com/office/drawing/2016/SVG/main" r:embed="rId3"/>
+              </a:ext>
+            </a:extLst>
+          </a:blip>
+          <a:stretch>
+            <a:fillRect/>
+          </a:stretch>
+        </p:blipFill>
+        <p:spPr>
+          <a:xfrm>
+            <a:off x="10283221" y="414736"/>
+            <a:ext cx="914400" cy="914400"/>
+          </a:xfrm>
+          <a:prstGeom prst="rect">
+            <a:avLst/>
+          </a:prstGeom>
+        </p:spPr>
+      </p:pic>
+    </p:spTree>
+    <p:extLst>
+      <p:ext uri="{BB962C8B-B14F-4D97-AF65-F5344CB8AC3E}">
+        <p14:creationId xmlns:p14="http://schemas.microsoft.com/office/powerpoint/2010/main" val="175429518"/>
+      </p:ext>
+    </p:extLst>
+  </p:cSld>
+  <p:clrMapOvr>
+    <a:masterClrMapping/>
+  </p:clrMapOvr>
+</p:sld>
+</file>
+
+<file path=ppt/slides/slide14.xml><?xml version="1.0" encoding="utf-8"?>
+<p:sld xmlns:a="http://schemas.openxmlformats.org/drawingml/2006/main" xmlns:r="http://schemas.openxmlformats.org/officeDocument/2006/relationships" xmlns:p="http://schemas.openxmlformats.org/presentationml/2006/main">
+  <p:cSld>
+    <p:spTree>
+      <p:nvGrpSpPr>
+        <p:cNvPr id="1" name=""/>
+        <p:cNvGrpSpPr/>
+        <p:nvPr/>
+      </p:nvGrpSpPr>
+      <p:grpSpPr>
+        <a:xfrm>
+          <a:off x="0" y="0"/>
+          <a:ext cx="0" cy="0"/>
+          <a:chOff x="0" y="0"/>
+          <a:chExt cx="0" cy="0"/>
+        </a:xfrm>
+      </p:grpSpPr>
+      <p:sp>
+        <p:nvSpPr>
+          <p:cNvPr id="2" name="Title 1">
+            <a:extLst>
+              <a:ext uri="{FF2B5EF4-FFF2-40B4-BE49-F238E27FC236}">
+                <a16:creationId xmlns:a16="http://schemas.microsoft.com/office/drawing/2014/main" id="{707DBD92-22EB-4AD4-80AE-5CB8CFA708F8}"/>
+              </a:ext>
+            </a:extLst>
+          </p:cNvPr>
+          <p:cNvSpPr>
+            <a:spLocks noGrp="1"/>
+          </p:cNvSpPr>
+          <p:nvPr>
+            <p:ph type="title"/>
+          </p:nvPr>
+        </p:nvSpPr>
+        <p:spPr/>
+        <p:txBody>
+          <a:bodyPr/>
+          <a:lstStyle/>
+          <a:p>
+            <a:r>
+              <a:rPr lang="en-US" dirty="0"/>
+              <a:t>Permutation test</a:t>
+            </a:r>
+            <a:endParaRPr lang="es-MX" dirty="0"/>
+          </a:p>
+        </p:txBody>
+      </p:sp>
+      <p:sp>
+        <p:nvSpPr>
+          <p:cNvPr id="3" name="Content Placeholder 2">
+            <a:extLst>
+              <a:ext uri="{FF2B5EF4-FFF2-40B4-BE49-F238E27FC236}">
+                <a16:creationId xmlns:a16="http://schemas.microsoft.com/office/drawing/2014/main" id="{07BF47E7-9088-4E6D-BA97-B5377BDC22FC}"/>
+              </a:ext>
+            </a:extLst>
+          </p:cNvPr>
+          <p:cNvSpPr>
+            <a:spLocks noGrp="1"/>
+          </p:cNvSpPr>
+          <p:nvPr>
+            <p:ph idx="1"/>
+          </p:nvPr>
+        </p:nvSpPr>
+        <p:spPr/>
+        <p:txBody>
+          <a:bodyPr/>
+          <a:lstStyle/>
+          <a:p>
+            <a:r>
+              <a:rPr lang="en-US" dirty="0"/>
+              <a:t>Exhaustive permutation test: instead of just randomly shuffling and dividing the data, we actually figure out all passible ways it could be divided. With a large number of repeated </a:t>
+            </a:r>
+            <a:r>
+              <a:rPr lang="en-US" dirty="0" err="1"/>
+              <a:t>shufflings</a:t>
+            </a:r>
+            <a:r>
+              <a:rPr lang="en-US" dirty="0"/>
+              <a:t>, the random permutation test results approximate those of the exhaustive permutation test.</a:t>
+            </a:r>
+          </a:p>
+          <a:p>
+            <a:r>
+              <a:rPr lang="en-US" dirty="0"/>
+              <a:t>Bootstrap permutation test: The .0draws in steps 2 and 3 are made with replacement.</a:t>
+            </a:r>
+          </a:p>
+          <a:p>
+            <a:endParaRPr lang="es-MX" dirty="0"/>
+          </a:p>
+        </p:txBody>
+      </p:sp>
+    </p:spTree>
+    <p:extLst>
+      <p:ext uri="{BB962C8B-B14F-4D97-AF65-F5344CB8AC3E}">
+        <p14:creationId xmlns:p14="http://schemas.microsoft.com/office/powerpoint/2010/main" val="2556580960"/>
+      </p:ext>
+    </p:extLst>
+  </p:cSld>
+  <p:clrMapOvr>
+    <a:masterClrMapping/>
+  </p:clrMapOvr>
+</p:sld>
+</file>
+
+<file path=ppt/slides/slide15.xml><?xml version="1.0" encoding="utf-8"?>
+<p:sld xmlns:a="http://schemas.openxmlformats.org/drawingml/2006/main" xmlns:r="http://schemas.openxmlformats.org/officeDocument/2006/relationships" xmlns:p="http://schemas.openxmlformats.org/presentationml/2006/main">
+  <p:cSld>
+    <p:spTree>
+      <p:nvGrpSpPr>
+        <p:cNvPr id="1" name=""/>
+        <p:cNvGrpSpPr/>
+        <p:nvPr/>
+      </p:nvGrpSpPr>
+      <p:grpSpPr>
+        <a:xfrm>
+          <a:off x="0" y="0"/>
+          <a:ext cx="0" cy="0"/>
+          <a:chOff x="0" y="0"/>
+          <a:chExt cx="0" cy="0"/>
+        </a:xfrm>
+      </p:grpSpPr>
+      <p:sp>
+        <p:nvSpPr>
+          <p:cNvPr id="2" name="Title 1">
+            <a:extLst>
+              <a:ext uri="{FF2B5EF4-FFF2-40B4-BE49-F238E27FC236}">
+                <a16:creationId xmlns:a16="http://schemas.microsoft.com/office/drawing/2014/main" id="{AA54E66D-593A-4E9C-8126-E3E65C21A770}"/>
+              </a:ext>
+            </a:extLst>
+          </p:cNvPr>
+          <p:cNvSpPr>
+            <a:spLocks noGrp="1"/>
+          </p:cNvSpPr>
+          <p:nvPr>
+            <p:ph type="title"/>
+          </p:nvPr>
+        </p:nvSpPr>
+        <p:spPr/>
+        <p:txBody>
+          <a:bodyPr/>
+          <a:lstStyle/>
+          <a:p>
+            <a:r>
+              <a:rPr lang="en-US" dirty="0"/>
+              <a:t>Statistical significance and P-values</a:t>
+            </a:r>
+            <a:endParaRPr lang="es-MX" dirty="0"/>
+          </a:p>
+        </p:txBody>
+      </p:sp>
+      <p:sp>
+        <p:nvSpPr>
+          <p:cNvPr id="3" name="Content Placeholder 2">
+            <a:extLst>
+              <a:ext uri="{FF2B5EF4-FFF2-40B4-BE49-F238E27FC236}">
+                <a16:creationId xmlns:a16="http://schemas.microsoft.com/office/drawing/2014/main" id="{3D134C0D-1697-4092-84AE-13E79DD43299}"/>
+              </a:ext>
+            </a:extLst>
+          </p:cNvPr>
+          <p:cNvSpPr>
+            <a:spLocks noGrp="1"/>
+          </p:cNvSpPr>
+          <p:nvPr>
+            <p:ph idx="1"/>
+          </p:nvPr>
+        </p:nvSpPr>
+        <p:spPr/>
+        <p:txBody>
+          <a:bodyPr>
+            <a:normAutofit/>
+          </a:bodyPr>
+          <a:lstStyle/>
+          <a:p>
+            <a:r>
+              <a:rPr lang="en-US" dirty="0"/>
+              <a:t>Statistical significance is how statisticians measure whether an experiment (or even a study of existing data) yields a results more extreme than what chance might produce.</a:t>
+            </a:r>
+          </a:p>
+          <a:p>
+            <a:r>
+              <a:rPr lang="en-US" dirty="0"/>
+              <a:t>If the result is beyond the realm of chance variation , it is said to be statistically significant.</a:t>
+            </a:r>
+          </a:p>
+          <a:p>
+            <a:r>
+              <a:rPr lang="en-US" b="1" dirty="0"/>
+              <a:t>P-value</a:t>
+            </a:r>
+            <a:r>
+              <a:rPr lang="en-US" dirty="0"/>
+              <a:t>:  Given a chance model that embodies the null hypothesis, the p-value is the probability of obtaining results as unusual or extreme as the observed results.</a:t>
+            </a:r>
+          </a:p>
+          <a:p>
+            <a:r>
+              <a:rPr lang="en-US" b="1" dirty="0"/>
+              <a:t>Alpha</a:t>
+            </a:r>
+            <a:r>
+              <a:rPr lang="en-US" dirty="0"/>
+              <a:t>: The probability threshold of unusualness that chance results must surpass, for actual outcomes to be deemed statically significant.</a:t>
+            </a:r>
+          </a:p>
+          <a:p>
+            <a:endParaRPr lang="en-US" dirty="0"/>
+          </a:p>
+          <a:p>
+            <a:endParaRPr lang="es-MX" dirty="0"/>
+          </a:p>
+        </p:txBody>
+      </p:sp>
+    </p:spTree>
+    <p:extLst>
+      <p:ext uri="{BB962C8B-B14F-4D97-AF65-F5344CB8AC3E}">
+        <p14:creationId xmlns:p14="http://schemas.microsoft.com/office/powerpoint/2010/main" val="3495662472"/>
+      </p:ext>
+    </p:extLst>
+  </p:cSld>
+  <p:clrMapOvr>
+    <a:masterClrMapping/>
+  </p:clrMapOvr>
+</p:sld>
+</file>
+
+<file path=ppt/slides/slide16.xml><?xml version="1.0" encoding="utf-8"?>
+<p:sld xmlns:a="http://schemas.openxmlformats.org/drawingml/2006/main" xmlns:r="http://schemas.openxmlformats.org/officeDocument/2006/relationships" xmlns:p="http://schemas.openxmlformats.org/presentationml/2006/main">
+  <p:cSld>
+    <p:spTree>
+      <p:nvGrpSpPr>
+        <p:cNvPr id="1" name=""/>
+        <p:cNvGrpSpPr/>
+        <p:nvPr/>
+      </p:nvGrpSpPr>
+      <p:grpSpPr>
+        <a:xfrm>
+          <a:off x="0" y="0"/>
+          <a:ext cx="0" cy="0"/>
+          <a:chOff x="0" y="0"/>
+          <a:chExt cx="0" cy="0"/>
+        </a:xfrm>
+      </p:grpSpPr>
+      <p:sp>
+        <p:nvSpPr>
+          <p:cNvPr id="2" name="Title 1">
+            <a:extLst>
+              <a:ext uri="{FF2B5EF4-FFF2-40B4-BE49-F238E27FC236}">
+                <a16:creationId xmlns:a16="http://schemas.microsoft.com/office/drawing/2014/main" id="{B9F8682D-95BF-4F65-8B43-A50DB3AFAA20}"/>
+              </a:ext>
+            </a:extLst>
+          </p:cNvPr>
+          <p:cNvSpPr>
+            <a:spLocks noGrp="1"/>
+          </p:cNvSpPr>
+          <p:nvPr>
+            <p:ph type="title"/>
+          </p:nvPr>
+        </p:nvSpPr>
+        <p:spPr/>
+        <p:txBody>
+          <a:bodyPr/>
+          <a:lstStyle/>
+          <a:p>
+            <a:r>
+              <a:rPr lang="en-US" dirty="0"/>
+              <a:t>example</a:t>
+            </a:r>
+            <a:endParaRPr lang="es-MX" dirty="0"/>
+          </a:p>
+        </p:txBody>
+      </p:sp>
+      <p:sp>
+        <p:nvSpPr>
+          <p:cNvPr id="3" name="Content Placeholder 2">
+            <a:extLst>
+              <a:ext uri="{FF2B5EF4-FFF2-40B4-BE49-F238E27FC236}">
+                <a16:creationId xmlns:a16="http://schemas.microsoft.com/office/drawing/2014/main" id="{3076263A-9DC8-433E-AF0C-E0589321236E}"/>
+              </a:ext>
+            </a:extLst>
+          </p:cNvPr>
+          <p:cNvSpPr>
+            <a:spLocks noGrp="1"/>
+          </p:cNvSpPr>
+          <p:nvPr>
+            <p:ph idx="1"/>
+          </p:nvPr>
+        </p:nvSpPr>
+        <p:spPr/>
+        <p:txBody>
+          <a:bodyPr/>
+          <a:lstStyle/>
+          <a:p>
+            <a:endParaRPr lang="es-MX"/>
+          </a:p>
+        </p:txBody>
+      </p:sp>
+    </p:spTree>
+    <p:extLst>
+      <p:ext uri="{BB962C8B-B14F-4D97-AF65-F5344CB8AC3E}">
+        <p14:creationId xmlns:p14="http://schemas.microsoft.com/office/powerpoint/2010/main" val="3942112166"/>
+      </p:ext>
+    </p:extLst>
+  </p:cSld>
+  <p:clrMapOvr>
+    <a:masterClrMapping/>
+  </p:clrMapOvr>
+</p:sld>
+</file>
+
+<file path=ppt/slides/slide17.xml><?xml version="1.0" encoding="utf-8"?>
+<p:sld xmlns:a="http://schemas.openxmlformats.org/drawingml/2006/main" xmlns:r="http://schemas.openxmlformats.org/officeDocument/2006/relationships" xmlns:p="http://schemas.openxmlformats.org/presentationml/2006/main">
+  <p:cSld>
+    <p:spTree>
+      <p:nvGrpSpPr>
+        <p:cNvPr id="1" name=""/>
+        <p:cNvGrpSpPr/>
+        <p:nvPr/>
+      </p:nvGrpSpPr>
+      <p:grpSpPr>
+        <a:xfrm>
+          <a:off x="0" y="0"/>
+          <a:ext cx="0" cy="0"/>
+          <a:chOff x="0" y="0"/>
+          <a:chExt cx="0" cy="0"/>
+        </a:xfrm>
+      </p:grpSpPr>
+      <p:sp>
+        <p:nvSpPr>
+          <p:cNvPr id="2" name="Title 1">
+            <a:extLst>
+              <a:ext uri="{FF2B5EF4-FFF2-40B4-BE49-F238E27FC236}">
+                <a16:creationId xmlns:a16="http://schemas.microsoft.com/office/drawing/2014/main" id="{45881459-06D7-4657-88A8-431F94BB2233}"/>
+              </a:ext>
+            </a:extLst>
+          </p:cNvPr>
+          <p:cNvSpPr>
+            <a:spLocks noGrp="1"/>
+          </p:cNvSpPr>
+          <p:nvPr>
+            <p:ph type="title"/>
+          </p:nvPr>
+        </p:nvSpPr>
+        <p:spPr/>
+        <p:txBody>
+          <a:bodyPr/>
+          <a:lstStyle/>
+          <a:p>
+            <a:r>
+              <a:rPr lang="en-US" dirty="0"/>
+              <a:t>Error types</a:t>
+            </a:r>
+            <a:endParaRPr lang="es-MX" dirty="0"/>
+          </a:p>
+        </p:txBody>
+      </p:sp>
+      <p:sp>
+        <p:nvSpPr>
+          <p:cNvPr id="3" name="Content Placeholder 2">
+            <a:extLst>
+              <a:ext uri="{FF2B5EF4-FFF2-40B4-BE49-F238E27FC236}">
+                <a16:creationId xmlns:a16="http://schemas.microsoft.com/office/drawing/2014/main" id="{E39AF945-322C-4519-B486-C495B2DB1A39}"/>
+              </a:ext>
+            </a:extLst>
+          </p:cNvPr>
+          <p:cNvSpPr>
+            <a:spLocks noGrp="1"/>
+          </p:cNvSpPr>
+          <p:nvPr>
+            <p:ph idx="1"/>
+          </p:nvPr>
+        </p:nvSpPr>
+        <p:spPr/>
+        <p:txBody>
+          <a:bodyPr/>
+          <a:lstStyle/>
+          <a:p>
+            <a:endParaRPr lang="es-MX"/>
+          </a:p>
+        </p:txBody>
+      </p:sp>
+    </p:spTree>
+    <p:extLst>
+      <p:ext uri="{BB962C8B-B14F-4D97-AF65-F5344CB8AC3E}">
+        <p14:creationId xmlns:p14="http://schemas.microsoft.com/office/powerpoint/2010/main" val="3383703918"/>
       </p:ext>
     </p:extLst>
   </p:cSld>
@@ -6470,7 +8042,7 @@
           <p:cNvPr id="4" name="Title 3">
             <a:extLst>
               <a:ext uri="{FF2B5EF4-FFF2-40B4-BE49-F238E27FC236}">
-                <a16:creationId xmlns:a16="http://schemas.microsoft.com/office/drawing/2014/main" xmlns="" id="{AF3DC2BF-6F4A-4835-8BD4-F82ED901BBF8}"/>
+                <a16:creationId xmlns:a16="http://schemas.microsoft.com/office/drawing/2014/main" id="{AF3DC2BF-6F4A-4835-8BD4-F82ED901BBF8}"/>
               </a:ext>
             </a:extLst>
           </p:cNvPr>
@@ -6499,7 +8071,7 @@
           <p:cNvPr id="5" name="Text Placeholder 4">
             <a:extLst>
               <a:ext uri="{FF2B5EF4-FFF2-40B4-BE49-F238E27FC236}">
-                <a16:creationId xmlns:a16="http://schemas.microsoft.com/office/drawing/2014/main" xmlns="" id="{D7C89B07-BA56-4773-86E8-62EAC8D55105}"/>
+                <a16:creationId xmlns:a16="http://schemas.microsoft.com/office/drawing/2014/main" id="{D7C89B07-BA56-4773-86E8-62EAC8D55105}"/>
               </a:ext>
             </a:extLst>
           </p:cNvPr>
@@ -6561,7 +8133,7 @@
           <p:cNvPr id="4" name="Title 3">
             <a:extLst>
               <a:ext uri="{FF2B5EF4-FFF2-40B4-BE49-F238E27FC236}">
-                <a16:creationId xmlns:a16="http://schemas.microsoft.com/office/drawing/2014/main" xmlns="" id="{CFF994D8-FB70-4763-BB9C-6FD758911643}"/>
+                <a16:creationId xmlns:a16="http://schemas.microsoft.com/office/drawing/2014/main" id="{CFF994D8-FB70-4763-BB9C-6FD758911643}"/>
               </a:ext>
             </a:extLst>
           </p:cNvPr>
@@ -6590,7 +8162,7 @@
           <p:cNvPr id="5" name="Content Placeholder 4">
             <a:extLst>
               <a:ext uri="{FF2B5EF4-FFF2-40B4-BE49-F238E27FC236}">
-                <a16:creationId xmlns:a16="http://schemas.microsoft.com/office/drawing/2014/main" xmlns="" id="{C66C483F-D584-41DD-8A46-AA99346824D9}"/>
+                <a16:creationId xmlns:a16="http://schemas.microsoft.com/office/drawing/2014/main" id="{C66C483F-D584-41DD-8A46-AA99346824D9}"/>
               </a:ext>
             </a:extLst>
           </p:cNvPr>
@@ -6640,7 +8212,7 @@
           <p:cNvPr id="6" name="Diagram 5">
             <a:extLst>
               <a:ext uri="{FF2B5EF4-FFF2-40B4-BE49-F238E27FC236}">
-                <a16:creationId xmlns:a16="http://schemas.microsoft.com/office/drawing/2014/main" xmlns="" id="{C35826DC-EE5C-42A1-B251-BD772857E9CE}"/>
+                <a16:creationId xmlns:a16="http://schemas.microsoft.com/office/drawing/2014/main" id="{C35826DC-EE5C-42A1-B251-BD772857E9CE}"/>
               </a:ext>
             </a:extLst>
           </p:cNvPr>
@@ -6698,7 +8270,7 @@
           <p:cNvPr id="2" name="Title 1">
             <a:extLst>
               <a:ext uri="{FF2B5EF4-FFF2-40B4-BE49-F238E27FC236}">
-                <a16:creationId xmlns:a16="http://schemas.microsoft.com/office/drawing/2014/main" xmlns="" id="{5E2D21CF-C427-4A1E-B419-4A0C7ACE469C}"/>
+                <a16:creationId xmlns:a16="http://schemas.microsoft.com/office/drawing/2014/main" id="{5E2D21CF-C427-4A1E-B419-4A0C7ACE469C}"/>
               </a:ext>
             </a:extLst>
           </p:cNvPr>
@@ -6716,17 +8288,13 @@
           <a:p>
             <a:r>
               <a:rPr lang="en-US" dirty="0"/>
-              <a:t>A/B </a:t>
-            </a:r>
-            <a:r>
-              <a:rPr lang="en-US" dirty="0" smtClean="0"/>
-              <a:t>Testing </a:t>
+              <a:t>A/B Testing </a:t>
             </a:r>
             <a:br>
-              <a:rPr lang="en-US" dirty="0" smtClean="0"/>
+              <a:rPr lang="en-US" dirty="0"/>
             </a:br>
             <a:r>
-              <a:rPr lang="en-US" sz="2400" dirty="0" smtClean="0"/>
+              <a:rPr lang="en-US" sz="2400" dirty="0"/>
               <a:t>Key terms</a:t>
             </a:r>
             <a:endParaRPr lang="es-MX" sz="2400" dirty="0"/>
@@ -6738,7 +8306,7 @@
           <p:cNvPr id="3" name="Content Placeholder 2">
             <a:extLst>
               <a:ext uri="{FF2B5EF4-FFF2-40B4-BE49-F238E27FC236}">
-                <a16:creationId xmlns:a16="http://schemas.microsoft.com/office/drawing/2014/main" xmlns="" id="{E1EA1F81-F8CC-4F09-B395-E2D4579A607F}"/>
+                <a16:creationId xmlns:a16="http://schemas.microsoft.com/office/drawing/2014/main" id="{E1EA1F81-F8CC-4F09-B395-E2D4579A607F}"/>
               </a:ext>
             </a:extLst>
           </p:cNvPr>
@@ -6859,7 +8427,7 @@
           <p:cNvPr id="2" name="Title 1">
             <a:extLst>
               <a:ext uri="{FF2B5EF4-FFF2-40B4-BE49-F238E27FC236}">
-                <a16:creationId xmlns:a16="http://schemas.microsoft.com/office/drawing/2014/main" xmlns="" id="{108756E7-06FF-412F-AEFD-F5148E35106F}"/>
+                <a16:creationId xmlns:a16="http://schemas.microsoft.com/office/drawing/2014/main" id="{108756E7-06FF-412F-AEFD-F5148E35106F}"/>
               </a:ext>
             </a:extLst>
           </p:cNvPr>
@@ -6877,17 +8445,13 @@
           <a:p>
             <a:r>
               <a:rPr lang="en-US" dirty="0"/>
-              <a:t>A/B </a:t>
-            </a:r>
-            <a:r>
-              <a:rPr lang="en-US" dirty="0" smtClean="0"/>
-              <a:t>testing</a:t>
+              <a:t>A/B testing</a:t>
             </a:r>
             <a:br>
-              <a:rPr lang="en-US" dirty="0" smtClean="0"/>
+              <a:rPr lang="en-US" dirty="0"/>
             </a:br>
             <a:r>
-              <a:rPr lang="en-US" sz="2400" dirty="0" smtClean="0"/>
+              <a:rPr lang="en-US" sz="2400" dirty="0"/>
               <a:t>examples</a:t>
             </a:r>
             <a:endParaRPr lang="es-MX" sz="2400" dirty="0"/>
@@ -6899,7 +8463,7 @@
           <p:cNvPr id="3" name="Content Placeholder 2">
             <a:extLst>
               <a:ext uri="{FF2B5EF4-FFF2-40B4-BE49-F238E27FC236}">
-                <a16:creationId xmlns:a16="http://schemas.microsoft.com/office/drawing/2014/main" xmlns="" id="{0D3E1BDB-8601-4CEB-8F22-A92206DC8224}"/>
+                <a16:creationId xmlns:a16="http://schemas.microsoft.com/office/drawing/2014/main" id="{0D3E1BDB-8601-4CEB-8F22-A92206DC8224}"/>
               </a:ext>
             </a:extLst>
           </p:cNvPr>
@@ -6982,7 +8546,7 @@
           <p:cNvPr id="2" name="Title 1">
             <a:extLst>
               <a:ext uri="{FF2B5EF4-FFF2-40B4-BE49-F238E27FC236}">
-                <a16:creationId xmlns:a16="http://schemas.microsoft.com/office/drawing/2014/main" xmlns="" id="{D45D6B12-E728-43A9-805D-6A4641E2F4F0}"/>
+                <a16:creationId xmlns:a16="http://schemas.microsoft.com/office/drawing/2014/main" id="{D45D6B12-E728-43A9-805D-6A4641E2F4F0}"/>
               </a:ext>
             </a:extLst>
           </p:cNvPr>
@@ -7000,11 +8564,7 @@
           <a:p>
             <a:r>
               <a:rPr lang="en-US" dirty="0"/>
-              <a:t>A/B </a:t>
-            </a:r>
-            <a:r>
-              <a:rPr lang="en-US" dirty="0" smtClean="0"/>
-              <a:t>Testing</a:t>
+              <a:t>A/B Testing</a:t>
             </a:r>
             <a:endParaRPr lang="es-MX" dirty="0"/>
           </a:p>
@@ -7015,7 +8575,7 @@
           <p:cNvPr id="3" name="Content Placeholder 2">
             <a:extLst>
               <a:ext uri="{FF2B5EF4-FFF2-40B4-BE49-F238E27FC236}">
-                <a16:creationId xmlns:a16="http://schemas.microsoft.com/office/drawing/2014/main" xmlns="" id="{DB5BC476-34BC-421E-80A9-B1324F89C578}"/>
+                <a16:creationId xmlns:a16="http://schemas.microsoft.com/office/drawing/2014/main" id="{DB5BC476-34BC-421E-80A9-B1324F89C578}"/>
               </a:ext>
             </a:extLst>
           </p:cNvPr>
@@ -7111,7 +8671,7 @@
           <p:cNvPr id="2" name="Title 1">
             <a:extLst>
               <a:ext uri="{FF2B5EF4-FFF2-40B4-BE49-F238E27FC236}">
-                <a16:creationId xmlns:a16="http://schemas.microsoft.com/office/drawing/2014/main" xmlns="" id="{A83928E8-A2A4-4A62-822F-3A9262A704F2}"/>
+                <a16:creationId xmlns:a16="http://schemas.microsoft.com/office/drawing/2014/main" id="{A83928E8-A2A4-4A62-822F-3A9262A704F2}"/>
               </a:ext>
             </a:extLst>
           </p:cNvPr>
@@ -7140,7 +8700,7 @@
           <p:cNvPr id="3" name="Content Placeholder 2">
             <a:extLst>
               <a:ext uri="{FF2B5EF4-FFF2-40B4-BE49-F238E27FC236}">
-                <a16:creationId xmlns:a16="http://schemas.microsoft.com/office/drawing/2014/main" xmlns="" id="{0D3C7310-FF92-4000-839F-E0F06739401D}"/>
+                <a16:creationId xmlns:a16="http://schemas.microsoft.com/office/drawing/2014/main" id="{0D3C7310-FF92-4000-839F-E0F06739401D}"/>
               </a:ext>
             </a:extLst>
           </p:cNvPr>
@@ -7216,7 +8776,7 @@
           <p:cNvPr id="2" name="Title 1">
             <a:extLst>
               <a:ext uri="{FF2B5EF4-FFF2-40B4-BE49-F238E27FC236}">
-                <a16:creationId xmlns:a16="http://schemas.microsoft.com/office/drawing/2014/main" xmlns="" id="{24A04E48-292D-432F-AD8E-62895E19AF4B}"/>
+                <a16:creationId xmlns:a16="http://schemas.microsoft.com/office/drawing/2014/main" id="{24A04E48-292D-432F-AD8E-62895E19AF4B}"/>
               </a:ext>
             </a:extLst>
           </p:cNvPr>
@@ -7245,7 +8805,7 @@
           <p:cNvPr id="3" name="Content Placeholder 2">
             <a:extLst>
               <a:ext uri="{FF2B5EF4-FFF2-40B4-BE49-F238E27FC236}">
-                <a16:creationId xmlns:a16="http://schemas.microsoft.com/office/drawing/2014/main" xmlns="" id="{41BFF8EA-7B29-4F21-A958-AE02B7BEC4A5}"/>
+                <a16:creationId xmlns:a16="http://schemas.microsoft.com/office/drawing/2014/main" id="{41BFF8EA-7B29-4F21-A958-AE02B7BEC4A5}"/>
               </a:ext>
             </a:extLst>
           </p:cNvPr>
@@ -7259,7 +8819,7 @@
         <p:spPr/>
         <p:txBody>
           <a:bodyPr>
-            <a:normAutofit fontScale="85000" lnSpcReduction="10000"/>
+            <a:normAutofit fontScale="92500" lnSpcReduction="20000"/>
           </a:bodyPr>
           <a:lstStyle/>
           <a:p>
@@ -7352,7 +8912,7 @@
           <p:cNvPr id="2" name="Title 1">
             <a:extLst>
               <a:ext uri="{FF2B5EF4-FFF2-40B4-BE49-F238E27FC236}">
-                <a16:creationId xmlns:a16="http://schemas.microsoft.com/office/drawing/2014/main" xmlns="" id="{F3538E31-242C-4FB6-93A1-D2FFE0607903}"/>
+                <a16:creationId xmlns:a16="http://schemas.microsoft.com/office/drawing/2014/main" id="{F3538E31-242C-4FB6-93A1-D2FFE0607903}"/>
               </a:ext>
             </a:extLst>
           </p:cNvPr>
@@ -7370,17 +8930,13 @@
           <a:p>
             <a:r>
               <a:rPr lang="en-US" dirty="0"/>
-              <a:t>Hypothesis </a:t>
-            </a:r>
-            <a:r>
-              <a:rPr lang="en-US" dirty="0" smtClean="0"/>
-              <a:t>test</a:t>
+              <a:t>Hypothesis test</a:t>
             </a:r>
             <a:br>
-              <a:rPr lang="en-US" dirty="0" smtClean="0"/>
+              <a:rPr lang="en-US" dirty="0"/>
             </a:br>
             <a:r>
-              <a:rPr lang="en-US" sz="2400" dirty="0" smtClean="0"/>
+              <a:rPr lang="en-US" sz="2400" dirty="0"/>
               <a:t>key terms</a:t>
             </a:r>
             <a:endParaRPr lang="es-MX" sz="2400" dirty="0"/>
@@ -7392,7 +8948,7 @@
           <p:cNvPr id="3" name="Content Placeholder 2">
             <a:extLst>
               <a:ext uri="{FF2B5EF4-FFF2-40B4-BE49-F238E27FC236}">
-                <a16:creationId xmlns:a16="http://schemas.microsoft.com/office/drawing/2014/main" xmlns="" id="{1691AE57-8F9D-4056-922C-9AF849E9E28D}"/>
+                <a16:creationId xmlns:a16="http://schemas.microsoft.com/office/drawing/2014/main" id="{1691AE57-8F9D-4056-922C-9AF849E9E28D}"/>
               </a:ext>
             </a:extLst>
           </p:cNvPr>
